--- a/web/b22/1 Bachelor Contract .pptx
+++ b/web/b22/1 Bachelor Contract .pptx
@@ -5119,7 +5119,7 @@
               </a:spcBef>
             </a:pPr>
             <a:r>
-              <a:rPr lang="en-GB" altLang="da-DK" sz="1600" dirty="0" smtClean="0">
+              <a:rPr lang="en-GB" altLang="da-DK" sz="1600" b="1" dirty="0" smtClean="0">
                 <a:latin typeface="+mn-lt"/>
                 <a:ea typeface="+mn-ea"/>
               </a:rPr>
@@ -5133,7 +5133,7 @@
               </a:spcBef>
             </a:pPr>
             <a:r>
-              <a:rPr lang="en-GB" altLang="da-DK" sz="1600" dirty="0" smtClean="0">
+              <a:rPr lang="en-GB" altLang="da-DK" sz="1600" b="1" dirty="0" smtClean="0">
                 <a:latin typeface="+mn-lt"/>
                 <a:ea typeface="+mn-ea"/>
               </a:rPr>
@@ -5147,7 +5147,7 @@
               </a:spcBef>
             </a:pPr>
             <a:r>
-              <a:rPr lang="en-GB" altLang="da-DK" sz="1600" dirty="0" smtClean="0">
+              <a:rPr lang="en-GB" altLang="da-DK" sz="1600" b="1" dirty="0" smtClean="0">
                 <a:latin typeface="+mn-lt"/>
                 <a:ea typeface="+mn-ea"/>
               </a:rPr>
@@ -5204,8 +5204,21 @@
                   <a:srgbClr val="A50021"/>
                 </a:solidFill>
               </a:rPr>
-              <a:t>Bachelor course</a:t>
-            </a:r>
+              <a:t>Bachelor </a:t>
+            </a:r>
+            <a:r>
+              <a:rPr lang="en-US" altLang="da-DK" sz="1800" b="1" dirty="0" smtClean="0">
+                <a:solidFill>
+                  <a:srgbClr val="A50021"/>
+                </a:solidFill>
+              </a:rPr>
+              <a:t>project course</a:t>
+            </a:r>
+            <a:endParaRPr lang="en-US" altLang="da-DK" sz="1800" b="1" dirty="0">
+              <a:solidFill>
+                <a:srgbClr val="A50021"/>
+              </a:solidFill>
+            </a:endParaRPr>
           </a:p>
           <a:p>
             <a:pPr marL="728663" lvl="1" indent="-271463">
@@ -5232,14 +5245,7 @@
                 <a:latin typeface="+mn-lt"/>
                 <a:ea typeface="+mn-ea"/>
               </a:rPr>
-              <a:t>Use </a:t>
-            </a:r>
-            <a:r>
-              <a:rPr lang="en-US" altLang="da-DK" sz="1600" dirty="0" smtClean="0">
-                <a:latin typeface="+mn-lt"/>
-                <a:ea typeface="+mn-ea"/>
-              </a:rPr>
-              <a:t>the </a:t>
+              <a:t>Use the </a:t>
             </a:r>
             <a:r>
               <a:rPr lang="en-US" altLang="da-DK" sz="1600" b="1" dirty="0" smtClean="0">
@@ -5757,7 +5763,7 @@
                 </a:solidFill>
                 <a:ea typeface="ＭＳ Ｐゴシック" pitchFamily="34" charset="-128"/>
               </a:rPr>
-              <a:t>Questions can be asked via the discussion forum “Lectures”</a:t>
+              <a:t>Questions can be asked during the lecture or via the discussion forum “Lectures”</a:t>
             </a:r>
             <a:endParaRPr lang="en-GB" altLang="da-DK" sz="1400" kern="0" dirty="0" smtClean="0">
               <a:solidFill>
@@ -7876,12 +7882,20 @@
               <a:t>an </a:t>
             </a:r>
             <a:r>
-              <a:rPr lang="en-GB" altLang="da-DK" sz="1600" dirty="0" err="1"/>
+              <a:rPr lang="en-GB" altLang="da-DK" sz="1600" dirty="0" smtClean="0"/>
+              <a:t>text (</a:t>
+            </a:r>
+            <a:r>
+              <a:rPr lang="en-GB" altLang="da-DK" sz="1600" dirty="0" err="1" smtClean="0"/>
               <a:t>sms</a:t>
             </a:r>
             <a:r>
+              <a:rPr lang="en-GB" altLang="da-DK" sz="1600" dirty="0" smtClean="0"/>
+              <a:t>) </a:t>
+            </a:r>
+            <a:r>
               <a:rPr lang="en-GB" altLang="da-DK" sz="1600" dirty="0"/>
-              <a:t> or voice message to yourself</a:t>
+              <a:t>or voice message to yourself</a:t>
             </a:r>
           </a:p>
           <a:p>
@@ -7894,15 +7908,7 @@
             </a:pPr>
             <a:r>
               <a:rPr lang="en-GB" altLang="da-DK" sz="1600" dirty="0" smtClean="0"/>
-              <a:t>If you wake up in the middle of the night and have a bright idea, write a few words on a piece of paper so that you can investigate further </a:t>
-            </a:r>
-            <a:r>
-              <a:rPr lang="en-GB" altLang="da-DK" sz="1600" dirty="0" smtClean="0"/>
-              <a:t>the next </a:t>
-            </a:r>
-            <a:r>
-              <a:rPr lang="en-GB" altLang="da-DK" sz="1600" dirty="0" smtClean="0"/>
-              <a:t>day</a:t>
+              <a:t>If you wake up in the middle of the night and have a bright idea, write a few words on a piece of paper so that you can investigate further the next day</a:t>
             </a:r>
           </a:p>
           <a:p>
@@ -9246,15 +9252,7 @@
                   <a:srgbClr val="008000"/>
                 </a:solidFill>
               </a:rPr>
-              <a:t>bachelor project </a:t>
-            </a:r>
-            <a:r>
-              <a:rPr lang="en-GB" altLang="da-DK" sz="1600" b="1" dirty="0" smtClean="0">
-                <a:solidFill>
-                  <a:srgbClr val="008000"/>
-                </a:solidFill>
-              </a:rPr>
-              <a:t>contract</a:t>
+              <a:t>bachelor project contract</a:t>
             </a:r>
             <a:endParaRPr lang="en-GB" altLang="da-DK" sz="1600" b="1" dirty="0">
               <a:solidFill>
@@ -9458,49 +9456,29 @@
             </a:pPr>
             <a:r>
               <a:rPr lang="en-GB" altLang="da-DK" sz="1600" dirty="0" smtClean="0"/>
-              <a:t>The lectures will be recorded in Zoom and </a:t>
-            </a:r>
-            <a:r>
-              <a:rPr lang="en-GB" altLang="da-DK" sz="1600" dirty="0" smtClean="0"/>
-              <a:t>a </a:t>
-            </a:r>
-            <a:r>
-              <a:rPr lang="en-GB" altLang="da-DK" sz="1600" dirty="0" smtClean="0"/>
-              <a:t>video will be made available on Brightspace shortly after the lecture</a:t>
-            </a:r>
-          </a:p>
-          <a:p>
-            <a:pPr marL="728663" lvl="1" indent="-271463">
-              <a:spcBef>
-                <a:spcPts val="300"/>
-              </a:spcBef>
-            </a:pPr>
-            <a:r>
-              <a:rPr lang="en-GB" altLang="da-DK" sz="1600" dirty="0" smtClean="0"/>
-              <a:t>It will be nice and very </a:t>
-            </a:r>
-            <a:r>
-              <a:rPr lang="en-GB" altLang="da-DK" sz="1600" dirty="0" smtClean="0"/>
-              <a:t>fruitful, </a:t>
-            </a:r>
-            <a:r>
-              <a:rPr lang="en-GB" altLang="da-DK" sz="1600" dirty="0" smtClean="0"/>
-              <a:t>if the majority of you turn up in the auditorium</a:t>
-            </a:r>
-          </a:p>
-          <a:p>
-            <a:pPr marL="728663" lvl="1" indent="-271463">
-              <a:spcBef>
-                <a:spcPts val="300"/>
-              </a:spcBef>
-            </a:pPr>
-            <a:r>
-              <a:rPr lang="en-GB" altLang="da-DK" sz="1600" dirty="0" smtClean="0"/>
-              <a:t>Then it will be much easier for you to ask </a:t>
-            </a:r>
-            <a:r>
-              <a:rPr lang="en-GB" altLang="da-DK" sz="1600" dirty="0" smtClean="0"/>
-              <a:t>questions and interact with me</a:t>
+              <a:t>The lectures will be recorded in Zoom and a video will be made available on Brightspace shortly after the lecture</a:t>
+            </a:r>
+          </a:p>
+          <a:p>
+            <a:pPr marL="728663" lvl="1" indent="-271463">
+              <a:spcBef>
+                <a:spcPts val="300"/>
+              </a:spcBef>
+            </a:pPr>
+            <a:r>
+              <a:rPr lang="en-GB" altLang="da-DK" sz="1600" dirty="0" smtClean="0"/>
+              <a:t>It will be nice and very fruitful, if the majority of you turn up in the auditorium</a:t>
+            </a:r>
+          </a:p>
+          <a:p>
+            <a:pPr marL="728663" lvl="1" indent="-271463">
+              <a:spcBef>
+                <a:spcPts val="300"/>
+              </a:spcBef>
+            </a:pPr>
+            <a:r>
+              <a:rPr lang="en-GB" altLang="da-DK" sz="1600" dirty="0" smtClean="0"/>
+              <a:t>Then it will be much easier for you to ask questions and interact with me</a:t>
             </a:r>
             <a:endParaRPr lang="en-GB" altLang="da-DK" sz="1600" dirty="0"/>
           </a:p>
@@ -9695,8 +9673,8 @@
         </p:nvSpPr>
         <p:spPr>
           <a:xfrm>
-            <a:off x="468312" y="1052736"/>
-            <a:ext cx="8496175" cy="5688632"/>
+            <a:off x="396303" y="1052736"/>
+            <a:ext cx="8640194" cy="5688632"/>
           </a:xfrm>
           <a:noFill/>
         </p:spPr>
@@ -9711,14 +9689,29 @@
               <a:buChar char="•"/>
             </a:pPr>
             <a:r>
-              <a:rPr lang="en-GB" altLang="da-DK" sz="1800" b="1" dirty="0" smtClean="0">
-                <a:solidFill>
-                  <a:srgbClr val="A50021"/>
-                </a:solidFill>
-                <a:cs typeface="ＭＳ Ｐゴシック" charset="0"/>
-              </a:rPr>
-              <a:t>Each research group has a separate webpage</a:t>
-            </a:r>
+              <a:rPr lang="en-GB" altLang="da-DK" sz="1800" b="1" spc="-70" dirty="0" smtClean="0">
+                <a:solidFill>
+                  <a:srgbClr val="A50021"/>
+                </a:solidFill>
+                <a:cs typeface="ＭＳ Ｐゴシック" charset="0"/>
+              </a:rPr>
+              <a:t>Each research group has a separate </a:t>
+            </a:r>
+            <a:r>
+              <a:rPr lang="en-GB" altLang="da-DK" sz="1800" b="1" spc="-70" dirty="0" smtClean="0">
+                <a:solidFill>
+                  <a:srgbClr val="A50021"/>
+                </a:solidFill>
+                <a:cs typeface="ＭＳ Ｐゴシック" charset="0"/>
+              </a:rPr>
+              <a:t>page on the Brightspace page of the course</a:t>
+            </a:r>
+            <a:endParaRPr lang="en-GB" altLang="da-DK" sz="1800" b="1" spc="-70" dirty="0" smtClean="0">
+              <a:solidFill>
+                <a:srgbClr val="A50021"/>
+              </a:solidFill>
+              <a:cs typeface="ＭＳ Ｐゴシック" charset="0"/>
+            </a:endParaRPr>
           </a:p>
           <a:p>
             <a:pPr marL="728663" lvl="1" indent="-271463">
@@ -9751,11 +9744,7 @@
             </a:pPr>
             <a:r>
               <a:rPr lang="en-GB" altLang="da-DK" sz="1600" dirty="0" smtClean="0"/>
-              <a:t>Here you can find different kinds of material from the research </a:t>
-            </a:r>
-            <a:r>
-              <a:rPr lang="en-GB" altLang="da-DK" sz="1600" dirty="0" smtClean="0"/>
-              <a:t>group</a:t>
+              <a:t>Here you can find different kinds of material from the research group</a:t>
             </a:r>
           </a:p>
           <a:p>
@@ -9858,11 +9847,7 @@
             </a:pPr>
             <a:r>
               <a:rPr lang="en-GB" altLang="da-DK" sz="1600" dirty="0" smtClean="0"/>
-              <a:t>The </a:t>
-            </a:r>
-            <a:r>
-              <a:rPr lang="en-GB" altLang="da-DK" sz="1600" dirty="0" smtClean="0"/>
-              <a:t>page </a:t>
+              <a:t>The page </a:t>
             </a:r>
             <a:r>
               <a:rPr lang="en-GB" altLang="da-DK" sz="1600" b="1" dirty="0" smtClean="0">
@@ -9961,25 +9946,7 @@
                 </a:solidFill>
                 <a:cs typeface="ＭＳ Ｐゴシック" charset="0"/>
               </a:rPr>
-              <a:t>I </a:t>
-            </a:r>
-            <a:r>
-              <a:rPr lang="en-GB" altLang="da-DK" sz="1800" b="1" dirty="0" smtClean="0">
-                <a:solidFill>
-                  <a:srgbClr val="A50021"/>
-                </a:solidFill>
-                <a:cs typeface="ＭＳ Ｐゴシック" charset="0"/>
-              </a:rPr>
-              <a:t>may </a:t>
-            </a:r>
-            <a:r>
-              <a:rPr lang="en-GB" altLang="da-DK" sz="1800" b="1" dirty="0" smtClean="0">
-                <a:solidFill>
-                  <a:srgbClr val="A50021"/>
-                </a:solidFill>
-                <a:cs typeface="ＭＳ Ｐゴシック" charset="0"/>
-              </a:rPr>
-              <a:t>send mails to you via Brightspace</a:t>
+              <a:t>I may send mails to you via Brightspace</a:t>
             </a:r>
           </a:p>
           <a:p>
@@ -10009,11 +9976,7 @@
             </a:pPr>
             <a:r>
               <a:rPr lang="en-GB" altLang="da-DK" sz="1600" dirty="0" smtClean="0"/>
-              <a:t>You should read (and react to) these on a daily </a:t>
-            </a:r>
-            <a:r>
-              <a:rPr lang="en-GB" altLang="da-DK" sz="1600" dirty="0" smtClean="0"/>
-              <a:t>basis</a:t>
+              <a:t>You should read (and react to) these on a daily basis</a:t>
             </a:r>
           </a:p>
           <a:p>
@@ -10026,7 +9989,6 @@
               <a:rPr lang="en-GB" altLang="da-DK" sz="1600" dirty="0" smtClean="0"/>
               <a:t>Otherwise you may miss valuable information/deadlines</a:t>
             </a:r>
-            <a:endParaRPr lang="en-GB" altLang="da-DK" sz="1600" dirty="0" smtClean="0"/>
           </a:p>
         </p:txBody>
       </p:sp>
@@ -10903,7 +10865,7 @@
             </a:pPr>
             <a:r>
               <a:rPr lang="en-GB" altLang="da-DK" sz="2800" dirty="0" smtClean="0"/>
-              <a:t>Bachelor contract</a:t>
+              <a:t>Bachelor project contract</a:t>
             </a:r>
           </a:p>
         </p:txBody>
@@ -10956,11 +10918,43 @@
             <a:r>
               <a:rPr lang="en-GB" altLang="da-DK" sz="1800" b="1" dirty="0" smtClean="0">
                 <a:solidFill>
-                  <a:srgbClr val="A50021"/>
+                  <a:srgbClr val="008000"/>
                 </a:solidFill>
                 <a:cs typeface="ＭＳ Ｐゴシック" charset="0"/>
               </a:rPr>
               <a:t>bachelor project contract</a:t>
+            </a:r>
+            <a:endParaRPr lang="en-GB" altLang="da-DK" sz="1800" b="1" dirty="0">
+              <a:solidFill>
+                <a:srgbClr val="008000"/>
+              </a:solidFill>
+              <a:cs typeface="ＭＳ Ｐゴシック" charset="0"/>
+            </a:endParaRPr>
+          </a:p>
+          <a:p>
+            <a:pPr marL="271463" lvl="1" indent="-271463">
+              <a:spcBef>
+                <a:spcPts val="1200"/>
+              </a:spcBef>
+              <a:buChar char="•"/>
+            </a:pPr>
+            <a:r>
+              <a:rPr lang="en-GB" altLang="da-DK" sz="1800" b="1" dirty="0">
+                <a:solidFill>
+                  <a:srgbClr val="A50021"/>
+                </a:solidFill>
+                <a:cs typeface="ＭＳ Ｐゴシック" charset="0"/>
+              </a:rPr>
+              <a:t>The contract will help </a:t>
+            </a:r>
+            <a:r>
+              <a:rPr lang="en-GB" altLang="da-DK" sz="1800" b="1" dirty="0" smtClean="0">
+                <a:solidFill>
+                  <a:srgbClr val="A50021"/>
+                </a:solidFill>
+                <a:cs typeface="ＭＳ Ｐゴシック" charset="0"/>
+              </a:rPr>
+              <a:t>you</a:t>
             </a:r>
             <a:endParaRPr lang="en-GB" altLang="da-DK" sz="1800" b="1" dirty="0">
               <a:solidFill>
@@ -10970,38 +10964,6 @@
             </a:endParaRPr>
           </a:p>
           <a:p>
-            <a:pPr marL="271463" lvl="1" indent="-271463">
-              <a:spcBef>
-                <a:spcPts val="1200"/>
-              </a:spcBef>
-              <a:buChar char="•"/>
-            </a:pPr>
-            <a:r>
-              <a:rPr lang="en-GB" altLang="da-DK" sz="1800" b="1" dirty="0">
-                <a:solidFill>
-                  <a:srgbClr val="A50021"/>
-                </a:solidFill>
-                <a:cs typeface="ＭＳ Ｐゴシック" charset="0"/>
-              </a:rPr>
-              <a:t>The contract will help </a:t>
-            </a:r>
-            <a:r>
-              <a:rPr lang="en-GB" altLang="da-DK" sz="1800" b="1" dirty="0" smtClean="0">
-                <a:solidFill>
-                  <a:srgbClr val="A50021"/>
-                </a:solidFill>
-                <a:cs typeface="ＭＳ Ｐゴシック" charset="0"/>
-              </a:rPr>
-              <a:t>you</a:t>
-            </a:r>
-            <a:endParaRPr lang="en-GB" altLang="da-DK" sz="1800" b="1" dirty="0">
-              <a:solidFill>
-                <a:srgbClr val="A50021"/>
-              </a:solidFill>
-              <a:cs typeface="ＭＳ Ｐゴシック" charset="0"/>
-            </a:endParaRPr>
-          </a:p>
-          <a:p>
             <a:pPr marL="728663" lvl="1" indent="-271463">
               <a:spcBef>
                 <a:spcPts val="300"/>
@@ -11131,17 +11093,33 @@
             </a:pPr>
             <a:r>
               <a:rPr lang="en-GB" altLang="da-DK" sz="1600" dirty="0"/>
-              <a:t>A short description of your project (at least 10-20 lines, which may be a slightly modified version of the project proposal)</a:t>
-            </a:r>
-          </a:p>
-          <a:p>
-            <a:pPr marL="728663" lvl="1" indent="-271463">
-              <a:spcBef>
-                <a:spcPts val="300"/>
-              </a:spcBef>
-            </a:pPr>
-            <a:r>
-              <a:rPr lang="en-GB" altLang="da-DK" sz="1600" dirty="0"/>
+              <a:t>A short description of your project (at least 10-20 lines, which may be a slightly modified version of the project proposal</a:t>
+            </a:r>
+            <a:r>
+              <a:rPr lang="en-GB" altLang="da-DK" sz="1600" dirty="0" smtClean="0"/>
+              <a:t>)</a:t>
+            </a:r>
+          </a:p>
+          <a:p>
+            <a:pPr marL="728663" lvl="1" indent="-271463">
+              <a:spcBef>
+                <a:spcPts val="300"/>
+              </a:spcBef>
+            </a:pPr>
+            <a:r>
+              <a:rPr lang="en-GB" altLang="da-DK" sz="1600" dirty="0" smtClean="0"/>
+              <a:t>A list of work tasks to be done during your project</a:t>
+            </a:r>
+            <a:endParaRPr lang="en-GB" altLang="da-DK" sz="1600" dirty="0"/>
+          </a:p>
+          <a:p>
+            <a:pPr marL="728663" lvl="1" indent="-271463">
+              <a:spcBef>
+                <a:spcPts val="300"/>
+              </a:spcBef>
+            </a:pPr>
+            <a:r>
+              <a:rPr lang="en-GB" altLang="da-DK" sz="1600" dirty="0" smtClean="0"/>
               <a:t>Provisional table of contents with a number of sections (corresponding to work tasks), and the proposed number of pages for each section</a:t>
             </a:r>
           </a:p>
@@ -11152,7 +11130,7 @@
               </a:spcBef>
             </a:pPr>
             <a:r>
-              <a:rPr lang="en-GB" altLang="da-DK" sz="1600" dirty="0"/>
+              <a:rPr lang="en-GB" altLang="da-DK" sz="1600" dirty="0" smtClean="0"/>
               <a:t>A time plan describing when the different work tasks should be finished</a:t>
             </a:r>
           </a:p>
@@ -11296,7 +11274,16 @@
                 </a:solidFill>
                 <a:cs typeface="ＭＳ Ｐゴシック" charset="0"/>
               </a:rPr>
-              <a:t>The bachelor project contract is submitted via a special system set up by the study administration</a:t>
+              <a:t>The bachelor project contract is submitted via a special system set up by the </a:t>
+            </a:r>
+            <a:r>
+              <a:rPr lang="en-GB" altLang="da-DK" sz="1800" b="1" dirty="0" smtClean="0">
+                <a:solidFill>
+                  <a:srgbClr val="008000"/>
+                </a:solidFill>
+                <a:cs typeface="ＭＳ Ｐゴシック" charset="0"/>
+              </a:rPr>
+              <a:t>study administration</a:t>
             </a:r>
           </a:p>
           <a:p>
@@ -11379,7 +11366,6 @@
               <a:rPr lang="en-US" altLang="da-DK" sz="1600" dirty="0" smtClean="0"/>
               <a:t>)</a:t>
             </a:r>
-            <a:endParaRPr lang="en-US" altLang="da-DK" sz="1600" dirty="0" smtClean="0"/>
           </a:p>
           <a:p>
             <a:pPr marL="728663" lvl="1" indent="-271463">
@@ -11393,31 +11379,35 @@
             </a:r>
             <a:r>
               <a:rPr lang="en-US" altLang="da-DK" sz="1600" dirty="0"/>
-              <a:t>document with a detailed project description (</a:t>
-            </a:r>
-            <a:r>
-              <a:rPr lang="en-US" altLang="da-DK" sz="1600" dirty="0" err="1"/>
-              <a:t>problemformulering</a:t>
+              <a:t>document with a detailed project description </a:t>
+            </a:r>
+            <a:r>
+              <a:rPr lang="en-US" altLang="da-DK" sz="1600" dirty="0" smtClean="0"/>
+              <a:t>(in Danish: </a:t>
+            </a:r>
+            <a:r>
+              <a:rPr lang="da-DK" altLang="da-DK" sz="1600" dirty="0" smtClean="0"/>
+              <a:t>problemformulering, aktivitets- og vejledningsplan</a:t>
+            </a:r>
+            <a:r>
+              <a:rPr lang="en-US" altLang="da-DK" sz="1600" dirty="0" smtClean="0"/>
+              <a:t>).</a:t>
+            </a:r>
+            <a:endParaRPr lang="en-US" altLang="da-DK" sz="1600" dirty="0" smtClean="0"/>
+          </a:p>
+          <a:p>
+            <a:pPr marL="728663" lvl="1" indent="-271463">
+              <a:spcBef>
+                <a:spcPts val="300"/>
+              </a:spcBef>
+            </a:pPr>
+            <a:r>
+              <a:rPr lang="en-US" altLang="da-DK" sz="1600" dirty="0" smtClean="0"/>
+              <a:t>The </a:t>
             </a:r>
             <a:r>
               <a:rPr lang="en-US" altLang="da-DK" sz="1600" dirty="0"/>
-              <a:t>, </a:t>
-            </a:r>
-            <a:r>
-              <a:rPr lang="en-US" altLang="da-DK" sz="1600" dirty="0" err="1"/>
-              <a:t>aktivitets</a:t>
-            </a:r>
-            <a:r>
-              <a:rPr lang="en-US" altLang="da-DK" sz="1600" dirty="0"/>
-              <a:t>- og </a:t>
-            </a:r>
-            <a:r>
-              <a:rPr lang="en-US" altLang="da-DK" sz="1600" dirty="0" err="1"/>
-              <a:t>vejledningsplan</a:t>
-            </a:r>
-            <a:r>
-              <a:rPr lang="en-US" altLang="da-DK" sz="1600" dirty="0"/>
-              <a:t>). The project description should follow the format and guidelines described in </a:t>
+              <a:t>project description should follow the format and guidelines described in </a:t>
             </a:r>
             <a:r>
               <a:rPr lang="en-US" altLang="da-DK" sz="1600" dirty="0" smtClean="0"/>
@@ -11455,25 +11445,7 @@
                 </a:solidFill>
                 <a:cs typeface="ＭＳ Ｐゴシック" charset="0"/>
               </a:rPr>
-              <a:t>(</a:t>
-            </a:r>
-            <a:r>
-              <a:rPr lang="en-GB" altLang="da-DK" sz="1800" b="1" dirty="0" err="1" smtClean="0">
-                <a:solidFill>
-                  <a:srgbClr val="A50021"/>
-                </a:solidFill>
-                <a:cs typeface="ＭＳ Ｐゴシック" charset="0"/>
-              </a:rPr>
-              <a:t>LaTeX</a:t>
-            </a:r>
-            <a:r>
-              <a:rPr lang="en-GB" altLang="da-DK" sz="1800" b="1" dirty="0" smtClean="0">
-                <a:solidFill>
-                  <a:srgbClr val="A50021"/>
-                </a:solidFill>
-                <a:cs typeface="ＭＳ Ｐゴシック" charset="0"/>
-              </a:rPr>
-              <a:t> and Word) can </a:t>
+              <a:t>(LaTeX and Word) can </a:t>
             </a:r>
             <a:r>
               <a:rPr lang="en-GB" altLang="da-DK" sz="1800" b="1" dirty="0">
@@ -11666,7 +11638,7 @@
         <p:spPr>
           <a:xfrm>
             <a:off x="468313" y="1052736"/>
-            <a:ext cx="8496175" cy="5256584"/>
+            <a:ext cx="8496175" cy="5760640"/>
           </a:xfrm>
           <a:noFill/>
         </p:spPr>
@@ -11687,7 +11659,7 @@
                 </a:solidFill>
                 <a:cs typeface="ＭＳ Ｐゴシック" charset="0"/>
               </a:rPr>
-              <a:t>One of the first crucial decisions to be made, is whether you will write your bachelor report in Danish or English</a:t>
+              <a:t>One of the first crucial decisions to be made is whether you will write your bachelor report in Danish or English</a:t>
             </a:r>
           </a:p>
           <a:p>
@@ -12364,20 +12336,29 @@
               <a:rPr lang="en-GB" altLang="da-DK" sz="1600" dirty="0">
                 <a:cs typeface="ＭＳ Ｐゴシック" charset="0"/>
               </a:rPr>
-              <a:t>The titles will appear on your diploma (</a:t>
-            </a:r>
-            <a:r>
-              <a:rPr lang="en-GB" altLang="da-DK" sz="1600" dirty="0" err="1">
+              <a:t>The titles will appear on your diploma </a:t>
+            </a:r>
+            <a:r>
+              <a:rPr lang="en-GB" altLang="da-DK" sz="1600" dirty="0" smtClean="0">
+                <a:cs typeface="ＭＳ Ｐゴシック" charset="0"/>
+              </a:rPr>
+              <a:t>(</a:t>
+            </a:r>
+            <a:r>
+              <a:rPr lang="da-DK" altLang="da-DK" sz="1600" dirty="0" smtClean="0">
                 <a:cs typeface="ＭＳ Ｐゴシック" charset="0"/>
               </a:rPr>
               <a:t>eksamensbevis</a:t>
             </a:r>
             <a:r>
-              <a:rPr lang="en-GB" altLang="da-DK" sz="1600" dirty="0">
+              <a:rPr lang="en-GB" altLang="da-DK" sz="1600" dirty="0" smtClean="0">
                 <a:cs typeface="ＭＳ Ｐゴシック" charset="0"/>
               </a:rPr>
               <a:t>)</a:t>
             </a:r>
+            <a:endParaRPr lang="en-GB" altLang="da-DK" sz="1600" dirty="0">
+              <a:cs typeface="ＭＳ Ｐゴシック" charset="0"/>
+            </a:endParaRPr>
           </a:p>
         </p:txBody>
       </p:sp>
@@ -12537,11 +12518,7 @@
             </a:pPr>
             <a:r>
               <a:rPr lang="en-GB" altLang="da-DK" sz="1600" dirty="0" smtClean="0"/>
-              <a:t>Programming environment – do you need version control</a:t>
-            </a:r>
-            <a:r>
-              <a:rPr lang="en-GB" altLang="da-DK" sz="1600" dirty="0" smtClean="0"/>
-              <a:t>?</a:t>
+              <a:t>Programming language and environment – do you need version control?</a:t>
             </a:r>
           </a:p>
           <a:p>
@@ -12554,7 +12531,6 @@
               <a:rPr lang="en-GB" altLang="da-DK" sz="1600" dirty="0" smtClean="0"/>
               <a:t>All members of a project group should use the same tools</a:t>
             </a:r>
-            <a:endParaRPr lang="en-GB" altLang="da-DK" sz="1600" dirty="0" smtClean="0"/>
           </a:p>
         </p:txBody>
       </p:sp>
@@ -12970,15 +12946,7 @@
             </a:pPr>
             <a:r>
               <a:rPr lang="en-GB" altLang="da-DK" sz="1600" dirty="0" smtClean="0"/>
-              <a:t>It is surprisingly difficult to remember the arguments for your choices even a few </a:t>
-            </a:r>
-            <a:r>
-              <a:rPr lang="en-GB" altLang="da-DK" sz="1600" dirty="0" smtClean="0"/>
-              <a:t>days/weeks </a:t>
-            </a:r>
-            <a:r>
-              <a:rPr lang="en-GB" altLang="da-DK" sz="1600" dirty="0" smtClean="0"/>
-              <a:t>later</a:t>
+              <a:t>It is surprisingly difficult to remember the arguments for your choices even a few days/weeks later</a:t>
             </a:r>
           </a:p>
           <a:p>
@@ -13148,25 +13116,7 @@
                 </a:solidFill>
                 <a:cs typeface="ＭＳ Ｐゴシック" charset="0"/>
               </a:rPr>
-              <a:t>The production of a bachelor report (or </a:t>
-            </a:r>
-            <a:r>
-              <a:rPr lang="en-GB" altLang="da-DK" sz="1800" b="1" dirty="0" smtClean="0">
-                <a:solidFill>
-                  <a:srgbClr val="A50021"/>
-                </a:solidFill>
-                <a:cs typeface="ＭＳ Ｐゴシック" charset="0"/>
-              </a:rPr>
-              <a:t>any </a:t>
-            </a:r>
-            <a:r>
-              <a:rPr lang="en-GB" altLang="da-DK" sz="1800" b="1" dirty="0" smtClean="0">
-                <a:solidFill>
-                  <a:srgbClr val="A50021"/>
-                </a:solidFill>
-                <a:cs typeface="ＭＳ Ｐゴシック" charset="0"/>
-              </a:rPr>
-              <a:t>scientific paper) is typically done as follows</a:t>
+              <a:t>The production of a bachelor report (or any scientific paper) is typically done as follows</a:t>
             </a:r>
           </a:p>
           <a:p>
@@ -13207,19 +13157,7 @@
             </a:pPr>
             <a:r>
               <a:rPr lang="en-GB" altLang="da-DK" sz="1600" dirty="0" smtClean="0"/>
-              <a:t>Finally (at </a:t>
-            </a:r>
-            <a:r>
-              <a:rPr lang="en-GB" altLang="da-DK" sz="1600" dirty="0" smtClean="0"/>
-              <a:t>the very </a:t>
-            </a:r>
-            <a:r>
-              <a:rPr lang="en-GB" altLang="da-DK" sz="1600" dirty="0" smtClean="0"/>
-              <a:t>end) </a:t>
-            </a:r>
-            <a:r>
-              <a:rPr lang="en-GB" altLang="da-DK" sz="1600" dirty="0" smtClean="0"/>
-              <a:t>add</a:t>
+              <a:t>Finally (at the very end) add</a:t>
             </a:r>
           </a:p>
           <a:p>
@@ -13331,12 +13269,8 @@
               <a:t>A </a:t>
             </a:r>
             <a:r>
-              <a:rPr lang="en-GB" altLang="da-DK" sz="1600" dirty="0" err="1" smtClean="0"/>
-              <a:t>LaTeX</a:t>
-            </a:r>
-            <a:r>
-              <a:rPr lang="en-GB" altLang="da-DK" sz="1600" dirty="0" smtClean="0"/>
-              <a:t> </a:t>
+              <a:rPr lang="en-GB" altLang="da-DK" sz="1600" dirty="0" smtClean="0"/>
+              <a:t>LaTeX </a:t>
             </a:r>
             <a:r>
               <a:rPr lang="en-GB" altLang="da-DK" sz="1600" dirty="0"/>

--- a/web/b22/1 Bachelor Contract .pptx
+++ b/web/b22/1 Bachelor Contract .pptx
@@ -5,10 +5,10 @@
     <p:sldMasterId id="2147483648" r:id="rId1"/>
   </p:sldMasterIdLst>
   <p:notesMasterIdLst>
-    <p:notesMasterId r:id="rId21"/>
+    <p:notesMasterId r:id="rId22"/>
   </p:notesMasterIdLst>
   <p:handoutMasterIdLst>
-    <p:handoutMasterId r:id="rId22"/>
+    <p:handoutMasterId r:id="rId23"/>
   </p:handoutMasterIdLst>
   <p:sldIdLst>
     <p:sldId id="375" r:id="rId2"/>
@@ -29,7 +29,8 @@
     <p:sldId id="425" r:id="rId17"/>
     <p:sldId id="406" r:id="rId18"/>
     <p:sldId id="409" r:id="rId19"/>
-    <p:sldId id="334" r:id="rId20"/>
+    <p:sldId id="427" r:id="rId20"/>
+    <p:sldId id="334" r:id="rId21"/>
   </p:sldIdLst>
   <p:sldSz cx="9144000" cy="6858000" type="screen4x3"/>
   <p:notesSz cx="7099300" cy="10234613"/>
@@ -181,6 +182,7 @@
             <p14:sldId id="425"/>
             <p14:sldId id="406"/>
             <p14:sldId id="409"/>
+            <p14:sldId id="427"/>
             <p14:sldId id="334"/>
           </p14:sldIdLst>
         </p14:section>
@@ -2323,255 +2325,68 @@
       </p:grpSpPr>
       <p:sp>
         <p:nvSpPr>
-          <p:cNvPr id="10242" name="Rectangle 7"/>
+          <p:cNvPr id="2" name="Slide Image Placeholder 1"/>
           <p:cNvSpPr>
-            <a:spLocks noGrp="1" noChangeArrowheads="1"/>
-          </p:cNvSpPr>
-          <p:nvPr>
-            <p:ph type="sldNum" sz="quarter" idx="5"/>
-          </p:nvPr>
-        </p:nvSpPr>
-        <p:spPr>
-          <a:noFill/>
-          <a:ln/>
-          <a:extLst>
-            <a:ext uri="{909E8E84-426E-40DD-AFC4-6F175D3DCCD1}">
-              <a14:hiddenFill xmlns:a14="http://schemas.microsoft.com/office/drawing/2010/main">
-                <a:solidFill>
-                  <a:srgbClr val="FFFFFF"/>
-                </a:solidFill>
-              </a14:hiddenFill>
-            </a:ext>
-            <a:ext uri="{91240B29-F687-4F45-9708-019B960494DF}">
-              <a14:hiddenLine xmlns:a14="http://schemas.microsoft.com/office/drawing/2010/main" w="9525">
-                <a:solidFill>
-                  <a:srgbClr val="000000"/>
-                </a:solidFill>
-                <a:miter lim="800000"/>
-                <a:headEnd/>
-                <a:tailEnd/>
-              </a14:hiddenLine>
-            </a:ext>
-          </a:extLst>
-        </p:spPr>
-        <p:txBody>
-          <a:bodyPr/>
-          <a:lstStyle>
-            <a:lvl1pPr defTabSz="990528" eaLnBrk="0" hangingPunct="0">
-              <a:spcBef>
-                <a:spcPct val="30000"/>
-              </a:spcBef>
-              <a:defRPr sz="1200">
-                <a:solidFill>
-                  <a:schemeClr val="tx1"/>
-                </a:solidFill>
-                <a:latin typeface="Times New Roman" pitchFamily="18" charset="0"/>
-                <a:ea typeface="ＭＳ Ｐゴシック" pitchFamily="34" charset="-128"/>
-              </a:defRPr>
-            </a:lvl1pPr>
-            <a:lvl2pPr marL="742897" indent="-285730" defTabSz="990528" eaLnBrk="0" hangingPunct="0">
-              <a:spcBef>
-                <a:spcPct val="30000"/>
-              </a:spcBef>
-              <a:defRPr sz="1200">
-                <a:solidFill>
-                  <a:schemeClr val="tx1"/>
-                </a:solidFill>
-                <a:latin typeface="Times New Roman" pitchFamily="18" charset="0"/>
-                <a:ea typeface="ＭＳ Ｐゴシック" pitchFamily="34" charset="-128"/>
-              </a:defRPr>
-            </a:lvl2pPr>
-            <a:lvl3pPr marL="1142918" indent="-228584" defTabSz="990528" eaLnBrk="0" hangingPunct="0">
-              <a:spcBef>
-                <a:spcPct val="30000"/>
-              </a:spcBef>
-              <a:defRPr sz="1200">
-                <a:solidFill>
-                  <a:schemeClr val="tx1"/>
-                </a:solidFill>
-                <a:latin typeface="Times New Roman" pitchFamily="18" charset="0"/>
-                <a:ea typeface="ＭＳ Ｐゴシック" pitchFamily="34" charset="-128"/>
-              </a:defRPr>
-            </a:lvl3pPr>
-            <a:lvl4pPr marL="1600085" indent="-228584" defTabSz="990528" eaLnBrk="0" hangingPunct="0">
-              <a:spcBef>
-                <a:spcPct val="30000"/>
-              </a:spcBef>
-              <a:defRPr sz="1200">
-                <a:solidFill>
-                  <a:schemeClr val="tx1"/>
-                </a:solidFill>
-                <a:latin typeface="Times New Roman" pitchFamily="18" charset="0"/>
-                <a:ea typeface="ＭＳ Ｐゴシック" pitchFamily="34" charset="-128"/>
-              </a:defRPr>
-            </a:lvl4pPr>
-            <a:lvl5pPr marL="2057252" indent="-228584" defTabSz="990528" eaLnBrk="0" hangingPunct="0">
-              <a:spcBef>
-                <a:spcPct val="30000"/>
-              </a:spcBef>
-              <a:defRPr sz="1200">
-                <a:solidFill>
-                  <a:schemeClr val="tx1"/>
-                </a:solidFill>
-                <a:latin typeface="Times New Roman" pitchFamily="18" charset="0"/>
-                <a:ea typeface="ＭＳ Ｐゴシック" pitchFamily="34" charset="-128"/>
-              </a:defRPr>
-            </a:lvl5pPr>
-            <a:lvl6pPr marL="2514419" indent="-228584" defTabSz="990528" eaLnBrk="0" fontAlgn="base" hangingPunct="0">
-              <a:spcBef>
-                <a:spcPct val="30000"/>
-              </a:spcBef>
-              <a:spcAft>
-                <a:spcPct val="0"/>
-              </a:spcAft>
-              <a:defRPr sz="1200">
-                <a:solidFill>
-                  <a:schemeClr val="tx1"/>
-                </a:solidFill>
-                <a:latin typeface="Times New Roman" pitchFamily="18" charset="0"/>
-                <a:ea typeface="ＭＳ Ｐゴシック" pitchFamily="34" charset="-128"/>
-              </a:defRPr>
-            </a:lvl6pPr>
-            <a:lvl7pPr marL="2971585" indent="-228584" defTabSz="990528" eaLnBrk="0" fontAlgn="base" hangingPunct="0">
-              <a:spcBef>
-                <a:spcPct val="30000"/>
-              </a:spcBef>
-              <a:spcAft>
-                <a:spcPct val="0"/>
-              </a:spcAft>
-              <a:defRPr sz="1200">
-                <a:solidFill>
-                  <a:schemeClr val="tx1"/>
-                </a:solidFill>
-                <a:latin typeface="Times New Roman" pitchFamily="18" charset="0"/>
-                <a:ea typeface="ＭＳ Ｐゴシック" pitchFamily="34" charset="-128"/>
-              </a:defRPr>
-            </a:lvl7pPr>
-            <a:lvl8pPr marL="3428752" indent="-228584" defTabSz="990528" eaLnBrk="0" fontAlgn="base" hangingPunct="0">
-              <a:spcBef>
-                <a:spcPct val="30000"/>
-              </a:spcBef>
-              <a:spcAft>
-                <a:spcPct val="0"/>
-              </a:spcAft>
-              <a:defRPr sz="1200">
-                <a:solidFill>
-                  <a:schemeClr val="tx1"/>
-                </a:solidFill>
-                <a:latin typeface="Times New Roman" pitchFamily="18" charset="0"/>
-                <a:ea typeface="ＭＳ Ｐゴシック" pitchFamily="34" charset="-128"/>
-              </a:defRPr>
-            </a:lvl8pPr>
-            <a:lvl9pPr marL="3885919" indent="-228584" defTabSz="990528" eaLnBrk="0" fontAlgn="base" hangingPunct="0">
-              <a:spcBef>
-                <a:spcPct val="30000"/>
-              </a:spcBef>
-              <a:spcAft>
-                <a:spcPct val="0"/>
-              </a:spcAft>
-              <a:defRPr sz="1200">
-                <a:solidFill>
-                  <a:schemeClr val="tx1"/>
-                </a:solidFill>
-                <a:latin typeface="Times New Roman" pitchFamily="18" charset="0"/>
-                <a:ea typeface="ＭＳ Ｐゴシック" pitchFamily="34" charset="-128"/>
-              </a:defRPr>
-            </a:lvl9pPr>
-          </a:lstStyle>
-          <a:p>
-            <a:pPr eaLnBrk="1" hangingPunct="1">
-              <a:spcBef>
-                <a:spcPct val="0"/>
-              </a:spcBef>
-            </a:pPr>
-            <a:fld id="{0A7C83F2-97F6-4FF2-A03C-029400408B2C}" type="slidenum">
-              <a:rPr lang="da-DK" altLang="da-DK" sz="1300">
-                <a:solidFill>
-                  <a:srgbClr val="CC0000"/>
-                </a:solidFill>
-              </a:rPr>
-              <a:pPr eaLnBrk="1" hangingPunct="1">
-                <a:spcBef>
-                  <a:spcPct val="0"/>
-                </a:spcBef>
-              </a:pPr>
-              <a:t>19</a:t>
-            </a:fld>
-            <a:endParaRPr lang="da-DK" altLang="da-DK" sz="1300">
-              <a:solidFill>
-                <a:srgbClr val="CC0000"/>
-              </a:solidFill>
-            </a:endParaRPr>
-          </a:p>
-        </p:txBody>
-      </p:sp>
-      <p:sp>
-        <p:nvSpPr>
-          <p:cNvPr id="10243" name="Rectangle 2"/>
-          <p:cNvSpPr>
-            <a:spLocks noGrp="1" noRot="1" noChangeAspect="1" noChangeArrowheads="1" noTextEdit="1"/>
+            <a:spLocks noGrp="1" noRot="1" noChangeAspect="1"/>
           </p:cNvSpPr>
           <p:nvPr>
             <p:ph type="sldImg"/>
           </p:nvPr>
         </p:nvSpPr>
-        <p:spPr>
-          <a:xfrm>
-            <a:off x="992188" y="768350"/>
-            <a:ext cx="5114925" cy="3836988"/>
-          </a:xfrm>
-          <a:ln/>
-        </p:spPr>
+        <p:spPr/>
       </p:sp>
       <p:sp>
         <p:nvSpPr>
-          <p:cNvPr id="10244" name="Rectangle 3"/>
+          <p:cNvPr id="3" name="Notes Placeholder 2"/>
           <p:cNvSpPr>
-            <a:spLocks noGrp="1" noChangeArrowheads="1"/>
+            <a:spLocks noGrp="1"/>
           </p:cNvSpPr>
           <p:nvPr>
             <p:ph type="body" idx="1"/>
           </p:nvPr>
         </p:nvSpPr>
-        <p:spPr>
-          <a:noFill/>
-          <a:ln/>
-          <a:extLst>
-            <a:ext uri="{909E8E84-426E-40DD-AFC4-6F175D3DCCD1}">
-              <a14:hiddenFill xmlns:a14="http://schemas.microsoft.com/office/drawing/2010/main">
-                <a:solidFill>
-                  <a:srgbClr val="FFFFFF"/>
-                </a:solidFill>
-              </a14:hiddenFill>
-            </a:ext>
-            <a:ext uri="{91240B29-F687-4F45-9708-019B960494DF}">
-              <a14:hiddenLine xmlns:a14="http://schemas.microsoft.com/office/drawing/2010/main" w="9525">
-                <a:solidFill>
-                  <a:srgbClr val="000000"/>
-                </a:solidFill>
-                <a:miter lim="800000"/>
-                <a:headEnd/>
-                <a:tailEnd/>
-              </a14:hiddenLine>
-            </a:ext>
-          </a:extLst>
-        </p:spPr>
+        <p:spPr/>
         <p:txBody>
           <a:bodyPr/>
           <a:lstStyle/>
           <a:p>
-            <a:pPr eaLnBrk="1" hangingPunct="1"/>
-            <a:endParaRPr lang="en-US" altLang="da-DK" smtClean="0">
-              <a:latin typeface="Times New Roman" pitchFamily="18" charset="0"/>
-              <a:ea typeface="ＭＳ Ｐゴシック" pitchFamily="34" charset="-128"/>
-            </a:endParaRPr>
+            <a:endParaRPr lang="da-DK" dirty="0"/>
+          </a:p>
+        </p:txBody>
+      </p:sp>
+      <p:sp>
+        <p:nvSpPr>
+          <p:cNvPr id="4" name="Slide Number Placeholder 3"/>
+          <p:cNvSpPr>
+            <a:spLocks noGrp="1"/>
+          </p:cNvSpPr>
+          <p:nvPr>
+            <p:ph type="sldNum" sz="quarter" idx="10"/>
+          </p:nvPr>
+        </p:nvSpPr>
+        <p:spPr/>
+        <p:txBody>
+          <a:bodyPr/>
+          <a:lstStyle/>
+          <a:p>
+            <a:pPr>
+              <a:defRPr/>
+            </a:pPr>
+            <a:fld id="{E392DC24-3004-4372-BE92-7F24D50BA456}" type="slidenum">
+              <a:rPr lang="da-DK" altLang="da-DK" smtClean="0"/>
+              <a:pPr>
+                <a:defRPr/>
+              </a:pPr>
+              <a:t>19</a:t>
+            </a:fld>
+            <a:endParaRPr lang="da-DK" altLang="da-DK"/>
           </a:p>
         </p:txBody>
       </p:sp>
     </p:spTree>
     <p:extLst>
       <p:ext uri="{BB962C8B-B14F-4D97-AF65-F5344CB8AC3E}">
-        <p14:creationId xmlns:p14="http://schemas.microsoft.com/office/powerpoint/2010/main" val="3497084551"/>
+        <p14:creationId xmlns:p14="http://schemas.microsoft.com/office/powerpoint/2010/main" val="1315659212"/>
       </p:ext>
     </p:extLst>
   </p:cSld>
@@ -2662,6 +2477,283 @@
     <p:extLst>
       <p:ext uri="{BB962C8B-B14F-4D97-AF65-F5344CB8AC3E}">
         <p14:creationId xmlns:p14="http://schemas.microsoft.com/office/powerpoint/2010/main" val="282784194"/>
+      </p:ext>
+    </p:extLst>
+  </p:cSld>
+  <p:clrMapOvr>
+    <a:masterClrMapping/>
+  </p:clrMapOvr>
+</p:notes>
+</file>
+
+<file path=ppt/notesSlides/notesSlide20.xml><?xml version="1.0" encoding="utf-8"?>
+<p:notes xmlns:a="http://schemas.openxmlformats.org/drawingml/2006/main" xmlns:r="http://schemas.openxmlformats.org/officeDocument/2006/relationships" xmlns:p="http://schemas.openxmlformats.org/presentationml/2006/main">
+  <p:cSld>
+    <p:spTree>
+      <p:nvGrpSpPr>
+        <p:cNvPr id="1" name=""/>
+        <p:cNvGrpSpPr/>
+        <p:nvPr/>
+      </p:nvGrpSpPr>
+      <p:grpSpPr>
+        <a:xfrm>
+          <a:off x="0" y="0"/>
+          <a:ext cx="0" cy="0"/>
+          <a:chOff x="0" y="0"/>
+          <a:chExt cx="0" cy="0"/>
+        </a:xfrm>
+      </p:grpSpPr>
+      <p:sp>
+        <p:nvSpPr>
+          <p:cNvPr id="10242" name="Rectangle 7"/>
+          <p:cNvSpPr>
+            <a:spLocks noGrp="1" noChangeArrowheads="1"/>
+          </p:cNvSpPr>
+          <p:nvPr>
+            <p:ph type="sldNum" sz="quarter" idx="5"/>
+          </p:nvPr>
+        </p:nvSpPr>
+        <p:spPr>
+          <a:noFill/>
+          <a:ln/>
+          <a:extLst>
+            <a:ext uri="{909E8E84-426E-40DD-AFC4-6F175D3DCCD1}">
+              <a14:hiddenFill xmlns:a14="http://schemas.microsoft.com/office/drawing/2010/main">
+                <a:solidFill>
+                  <a:srgbClr val="FFFFFF"/>
+                </a:solidFill>
+              </a14:hiddenFill>
+            </a:ext>
+            <a:ext uri="{91240B29-F687-4F45-9708-019B960494DF}">
+              <a14:hiddenLine xmlns:a14="http://schemas.microsoft.com/office/drawing/2010/main" w="9525">
+                <a:solidFill>
+                  <a:srgbClr val="000000"/>
+                </a:solidFill>
+                <a:miter lim="800000"/>
+                <a:headEnd/>
+                <a:tailEnd/>
+              </a14:hiddenLine>
+            </a:ext>
+          </a:extLst>
+        </p:spPr>
+        <p:txBody>
+          <a:bodyPr/>
+          <a:lstStyle>
+            <a:lvl1pPr defTabSz="990528" eaLnBrk="0" hangingPunct="0">
+              <a:spcBef>
+                <a:spcPct val="30000"/>
+              </a:spcBef>
+              <a:defRPr sz="1200">
+                <a:solidFill>
+                  <a:schemeClr val="tx1"/>
+                </a:solidFill>
+                <a:latin typeface="Times New Roman" pitchFamily="18" charset="0"/>
+                <a:ea typeface="ＭＳ Ｐゴシック" pitchFamily="34" charset="-128"/>
+              </a:defRPr>
+            </a:lvl1pPr>
+            <a:lvl2pPr marL="742897" indent="-285730" defTabSz="990528" eaLnBrk="0" hangingPunct="0">
+              <a:spcBef>
+                <a:spcPct val="30000"/>
+              </a:spcBef>
+              <a:defRPr sz="1200">
+                <a:solidFill>
+                  <a:schemeClr val="tx1"/>
+                </a:solidFill>
+                <a:latin typeface="Times New Roman" pitchFamily="18" charset="0"/>
+                <a:ea typeface="ＭＳ Ｐゴシック" pitchFamily="34" charset="-128"/>
+              </a:defRPr>
+            </a:lvl2pPr>
+            <a:lvl3pPr marL="1142918" indent="-228584" defTabSz="990528" eaLnBrk="0" hangingPunct="0">
+              <a:spcBef>
+                <a:spcPct val="30000"/>
+              </a:spcBef>
+              <a:defRPr sz="1200">
+                <a:solidFill>
+                  <a:schemeClr val="tx1"/>
+                </a:solidFill>
+                <a:latin typeface="Times New Roman" pitchFamily="18" charset="0"/>
+                <a:ea typeface="ＭＳ Ｐゴシック" pitchFamily="34" charset="-128"/>
+              </a:defRPr>
+            </a:lvl3pPr>
+            <a:lvl4pPr marL="1600085" indent="-228584" defTabSz="990528" eaLnBrk="0" hangingPunct="0">
+              <a:spcBef>
+                <a:spcPct val="30000"/>
+              </a:spcBef>
+              <a:defRPr sz="1200">
+                <a:solidFill>
+                  <a:schemeClr val="tx1"/>
+                </a:solidFill>
+                <a:latin typeface="Times New Roman" pitchFamily="18" charset="0"/>
+                <a:ea typeface="ＭＳ Ｐゴシック" pitchFamily="34" charset="-128"/>
+              </a:defRPr>
+            </a:lvl4pPr>
+            <a:lvl5pPr marL="2057252" indent="-228584" defTabSz="990528" eaLnBrk="0" hangingPunct="0">
+              <a:spcBef>
+                <a:spcPct val="30000"/>
+              </a:spcBef>
+              <a:defRPr sz="1200">
+                <a:solidFill>
+                  <a:schemeClr val="tx1"/>
+                </a:solidFill>
+                <a:latin typeface="Times New Roman" pitchFamily="18" charset="0"/>
+                <a:ea typeface="ＭＳ Ｐゴシック" pitchFamily="34" charset="-128"/>
+              </a:defRPr>
+            </a:lvl5pPr>
+            <a:lvl6pPr marL="2514419" indent="-228584" defTabSz="990528" eaLnBrk="0" fontAlgn="base" hangingPunct="0">
+              <a:spcBef>
+                <a:spcPct val="30000"/>
+              </a:spcBef>
+              <a:spcAft>
+                <a:spcPct val="0"/>
+              </a:spcAft>
+              <a:defRPr sz="1200">
+                <a:solidFill>
+                  <a:schemeClr val="tx1"/>
+                </a:solidFill>
+                <a:latin typeface="Times New Roman" pitchFamily="18" charset="0"/>
+                <a:ea typeface="ＭＳ Ｐゴシック" pitchFamily="34" charset="-128"/>
+              </a:defRPr>
+            </a:lvl6pPr>
+            <a:lvl7pPr marL="2971585" indent="-228584" defTabSz="990528" eaLnBrk="0" fontAlgn="base" hangingPunct="0">
+              <a:spcBef>
+                <a:spcPct val="30000"/>
+              </a:spcBef>
+              <a:spcAft>
+                <a:spcPct val="0"/>
+              </a:spcAft>
+              <a:defRPr sz="1200">
+                <a:solidFill>
+                  <a:schemeClr val="tx1"/>
+                </a:solidFill>
+                <a:latin typeface="Times New Roman" pitchFamily="18" charset="0"/>
+                <a:ea typeface="ＭＳ Ｐゴシック" pitchFamily="34" charset="-128"/>
+              </a:defRPr>
+            </a:lvl7pPr>
+            <a:lvl8pPr marL="3428752" indent="-228584" defTabSz="990528" eaLnBrk="0" fontAlgn="base" hangingPunct="0">
+              <a:spcBef>
+                <a:spcPct val="30000"/>
+              </a:spcBef>
+              <a:spcAft>
+                <a:spcPct val="0"/>
+              </a:spcAft>
+              <a:defRPr sz="1200">
+                <a:solidFill>
+                  <a:schemeClr val="tx1"/>
+                </a:solidFill>
+                <a:latin typeface="Times New Roman" pitchFamily="18" charset="0"/>
+                <a:ea typeface="ＭＳ Ｐゴシック" pitchFamily="34" charset="-128"/>
+              </a:defRPr>
+            </a:lvl8pPr>
+            <a:lvl9pPr marL="3885919" indent="-228584" defTabSz="990528" eaLnBrk="0" fontAlgn="base" hangingPunct="0">
+              <a:spcBef>
+                <a:spcPct val="30000"/>
+              </a:spcBef>
+              <a:spcAft>
+                <a:spcPct val="0"/>
+              </a:spcAft>
+              <a:defRPr sz="1200">
+                <a:solidFill>
+                  <a:schemeClr val="tx1"/>
+                </a:solidFill>
+                <a:latin typeface="Times New Roman" pitchFamily="18" charset="0"/>
+                <a:ea typeface="ＭＳ Ｐゴシック" pitchFamily="34" charset="-128"/>
+              </a:defRPr>
+            </a:lvl9pPr>
+          </a:lstStyle>
+          <a:p>
+            <a:pPr eaLnBrk="1" hangingPunct="1">
+              <a:spcBef>
+                <a:spcPct val="0"/>
+              </a:spcBef>
+            </a:pPr>
+            <a:fld id="{0A7C83F2-97F6-4FF2-A03C-029400408B2C}" type="slidenum">
+              <a:rPr lang="da-DK" altLang="da-DK" sz="1300">
+                <a:solidFill>
+                  <a:srgbClr val="CC0000"/>
+                </a:solidFill>
+              </a:rPr>
+              <a:pPr eaLnBrk="1" hangingPunct="1">
+                <a:spcBef>
+                  <a:spcPct val="0"/>
+                </a:spcBef>
+              </a:pPr>
+              <a:t>20</a:t>
+            </a:fld>
+            <a:endParaRPr lang="da-DK" altLang="da-DK" sz="1300">
+              <a:solidFill>
+                <a:srgbClr val="CC0000"/>
+              </a:solidFill>
+            </a:endParaRPr>
+          </a:p>
+        </p:txBody>
+      </p:sp>
+      <p:sp>
+        <p:nvSpPr>
+          <p:cNvPr id="10243" name="Rectangle 2"/>
+          <p:cNvSpPr>
+            <a:spLocks noGrp="1" noRot="1" noChangeAspect="1" noChangeArrowheads="1" noTextEdit="1"/>
+          </p:cNvSpPr>
+          <p:nvPr>
+            <p:ph type="sldImg"/>
+          </p:nvPr>
+        </p:nvSpPr>
+        <p:spPr>
+          <a:xfrm>
+            <a:off x="992188" y="768350"/>
+            <a:ext cx="5114925" cy="3836988"/>
+          </a:xfrm>
+          <a:ln/>
+        </p:spPr>
+      </p:sp>
+      <p:sp>
+        <p:nvSpPr>
+          <p:cNvPr id="10244" name="Rectangle 3"/>
+          <p:cNvSpPr>
+            <a:spLocks noGrp="1" noChangeArrowheads="1"/>
+          </p:cNvSpPr>
+          <p:nvPr>
+            <p:ph type="body" idx="1"/>
+          </p:nvPr>
+        </p:nvSpPr>
+        <p:spPr>
+          <a:noFill/>
+          <a:ln/>
+          <a:extLst>
+            <a:ext uri="{909E8E84-426E-40DD-AFC4-6F175D3DCCD1}">
+              <a14:hiddenFill xmlns:a14="http://schemas.microsoft.com/office/drawing/2010/main">
+                <a:solidFill>
+                  <a:srgbClr val="FFFFFF"/>
+                </a:solidFill>
+              </a14:hiddenFill>
+            </a:ext>
+            <a:ext uri="{91240B29-F687-4F45-9708-019B960494DF}">
+              <a14:hiddenLine xmlns:a14="http://schemas.microsoft.com/office/drawing/2010/main" w="9525">
+                <a:solidFill>
+                  <a:srgbClr val="000000"/>
+                </a:solidFill>
+                <a:miter lim="800000"/>
+                <a:headEnd/>
+                <a:tailEnd/>
+              </a14:hiddenLine>
+            </a:ext>
+          </a:extLst>
+        </p:spPr>
+        <p:txBody>
+          <a:bodyPr/>
+          <a:lstStyle/>
+          <a:p>
+            <a:pPr eaLnBrk="1" hangingPunct="1"/>
+            <a:endParaRPr lang="en-US" altLang="da-DK" smtClean="0">
+              <a:latin typeface="Times New Roman" pitchFamily="18" charset="0"/>
+              <a:ea typeface="ＭＳ Ｐゴシック" pitchFamily="34" charset="-128"/>
+            </a:endParaRPr>
+          </a:p>
+        </p:txBody>
+      </p:sp>
+    </p:spTree>
+    <p:extLst>
+      <p:ext uri="{BB962C8B-B14F-4D97-AF65-F5344CB8AC3E}">
+        <p14:creationId xmlns:p14="http://schemas.microsoft.com/office/powerpoint/2010/main" val="3497084551"/>
       </p:ext>
     </p:extLst>
   </p:cSld>
@@ -7879,11 +7971,7 @@
             </a:r>
             <a:r>
               <a:rPr lang="en-GB" altLang="da-DK" sz="1600" dirty="0" smtClean="0"/>
-              <a:t>an </a:t>
-            </a:r>
-            <a:r>
-              <a:rPr lang="en-GB" altLang="da-DK" sz="1600" dirty="0" smtClean="0"/>
-              <a:t>text (</a:t>
+              <a:t>an text (</a:t>
             </a:r>
             <a:r>
               <a:rPr lang="en-GB" altLang="da-DK" sz="1600" dirty="0" err="1" smtClean="0"/>
@@ -9695,23 +9783,8 @@
                 </a:solidFill>
                 <a:cs typeface="ＭＳ Ｐゴシック" charset="0"/>
               </a:rPr>
-              <a:t>Each research group has a separate </a:t>
-            </a:r>
-            <a:r>
-              <a:rPr lang="en-GB" altLang="da-DK" sz="1800" b="1" spc="-70" dirty="0" smtClean="0">
-                <a:solidFill>
-                  <a:srgbClr val="A50021"/>
-                </a:solidFill>
-                <a:cs typeface="ＭＳ Ｐゴシック" charset="0"/>
-              </a:rPr>
-              <a:t>page on the Brightspace page of the course</a:t>
-            </a:r>
-            <a:endParaRPr lang="en-GB" altLang="da-DK" sz="1800" b="1" spc="-70" dirty="0" smtClean="0">
-              <a:solidFill>
-                <a:srgbClr val="A50021"/>
-              </a:solidFill>
-              <a:cs typeface="ＭＳ Ｐゴシック" charset="0"/>
-            </a:endParaRPr>
+              <a:t>Each research group has a separate page on the Brightspace page of the course</a:t>
+            </a:r>
           </a:p>
           <a:p>
             <a:pPr marL="728663" lvl="1" indent="-271463">
@@ -10060,6 +10133,623 @@
       </p:grpSpPr>
       <p:sp>
         <p:nvSpPr>
+          <p:cNvPr id="10243" name="Rectangle 2"/>
+          <p:cNvSpPr>
+            <a:spLocks noGrp="1" noChangeArrowheads="1"/>
+          </p:cNvSpPr>
+          <p:nvPr>
+            <p:ph type="title"/>
+          </p:nvPr>
+        </p:nvSpPr>
+        <p:spPr>
+          <a:xfrm>
+            <a:off x="468314" y="333375"/>
+            <a:ext cx="8430758" cy="609600"/>
+          </a:xfrm>
+        </p:spPr>
+        <p:txBody>
+          <a:bodyPr/>
+          <a:lstStyle/>
+          <a:p>
+            <a:pPr eaLnBrk="1" hangingPunct="1">
+              <a:defRPr/>
+            </a:pPr>
+            <a:r>
+              <a:rPr lang="en-GB" altLang="da-DK" sz="2800" dirty="0" smtClean="0"/>
+              <a:t>Meetings with research groups</a:t>
+            </a:r>
+            <a:endParaRPr lang="en-GB" altLang="da-DK" sz="2800" dirty="0" smtClean="0"/>
+          </a:p>
+        </p:txBody>
+      </p:sp>
+      <p:sp>
+        <p:nvSpPr>
+          <p:cNvPr id="10244" name="Rectangle 3"/>
+          <p:cNvSpPr>
+            <a:spLocks noGrp="1" noChangeArrowheads="1"/>
+          </p:cNvSpPr>
+          <p:nvPr>
+            <p:ph type="body" idx="1"/>
+          </p:nvPr>
+        </p:nvSpPr>
+        <p:spPr>
+          <a:xfrm>
+            <a:off x="396303" y="1052736"/>
+            <a:ext cx="8640193" cy="5688632"/>
+          </a:xfrm>
+          <a:noFill/>
+        </p:spPr>
+        <p:txBody>
+          <a:bodyPr/>
+          <a:lstStyle/>
+          <a:p>
+            <a:pPr marL="271463" lvl="1" indent="-271463">
+              <a:spcBef>
+                <a:spcPts val="1200"/>
+              </a:spcBef>
+              <a:buChar char="•"/>
+            </a:pPr>
+            <a:r>
+              <a:rPr lang="en-US" sz="1800" b="1" spc="-70" dirty="0">
+                <a:solidFill>
+                  <a:srgbClr val="A50021"/>
+                </a:solidFill>
+                <a:cs typeface="ＭＳ Ｐゴシック" charset="0"/>
+              </a:rPr>
+              <a:t>From </a:t>
+            </a:r>
+            <a:r>
+              <a:rPr lang="en-US" sz="1800" b="1" spc="-70" dirty="0">
+                <a:solidFill>
+                  <a:srgbClr val="A50021"/>
+                </a:solidFill>
+                <a:cs typeface="ＭＳ Ｐゴシック" charset="0"/>
+              </a:rPr>
+              <a:t>15.15 to 16.00 representatives from each research groups will meet with their students to make practical arrangements etc. </a:t>
+            </a:r>
+          </a:p>
+          <a:p>
+            <a:pPr marL="728663" lvl="1" indent="-271463">
+              <a:spcBef>
+                <a:spcPts val="900"/>
+              </a:spcBef>
+            </a:pPr>
+            <a:r>
+              <a:rPr lang="en-US" sz="1600" b="1" dirty="0"/>
+              <a:t>Algorithms, Data Structures and Foundations of Machine Learning: 5335-395 Nygaard Meeting </a:t>
+            </a:r>
+            <a:r>
+              <a:rPr lang="en-US" sz="1600" b="1" dirty="0" smtClean="0"/>
+              <a:t>Room</a:t>
+            </a:r>
+            <a:endParaRPr lang="en-US" sz="1600" b="1" dirty="0"/>
+          </a:p>
+          <a:p>
+            <a:pPr marL="728663" lvl="1" indent="-271463">
+              <a:spcBef>
+                <a:spcPts val="900"/>
+              </a:spcBef>
+            </a:pPr>
+            <a:r>
+              <a:rPr lang="en-US" sz="1600" b="1" dirty="0">
+                <a:solidFill>
+                  <a:srgbClr val="008000"/>
+                </a:solidFill>
+              </a:rPr>
+              <a:t>Bioinformatics: Time and place to be announced by the research </a:t>
+            </a:r>
+            <a:r>
+              <a:rPr lang="en-US" sz="1600" b="1" dirty="0" smtClean="0">
+                <a:solidFill>
+                  <a:srgbClr val="008000"/>
+                </a:solidFill>
+              </a:rPr>
+              <a:t>group</a:t>
+            </a:r>
+            <a:endParaRPr lang="en-US" sz="1600" b="1" dirty="0">
+              <a:solidFill>
+                <a:srgbClr val="008000"/>
+              </a:solidFill>
+            </a:endParaRPr>
+          </a:p>
+          <a:p>
+            <a:pPr marL="728663" lvl="1" indent="-271463">
+              <a:spcBef>
+                <a:spcPts val="900"/>
+              </a:spcBef>
+            </a:pPr>
+            <a:r>
+              <a:rPr lang="en-US" sz="1600" b="1" dirty="0"/>
+              <a:t>Collaboration and Computer-Human Interaction: 5365 </a:t>
+            </a:r>
+            <a:r>
+              <a:rPr lang="en-US" sz="1600" b="1" dirty="0" smtClean="0"/>
+              <a:t>Stibitz</a:t>
+            </a:r>
+            <a:endParaRPr lang="en-US" sz="1600" b="1" dirty="0"/>
+          </a:p>
+          <a:p>
+            <a:pPr marL="728663" lvl="1" indent="-271463">
+              <a:spcBef>
+                <a:spcPts val="900"/>
+              </a:spcBef>
+            </a:pPr>
+            <a:r>
+              <a:rPr lang="en-US" sz="1600" b="1" dirty="0"/>
+              <a:t>Computational Complexity and Game Theory: 5335-297 Nygaard Meeting </a:t>
+            </a:r>
+            <a:r>
+              <a:rPr lang="en-US" sz="1600" b="1" dirty="0" smtClean="0"/>
+              <a:t>Room</a:t>
+            </a:r>
+            <a:endParaRPr lang="en-US" sz="1600" b="1" dirty="0"/>
+          </a:p>
+          <a:p>
+            <a:pPr marL="728663" lvl="1" indent="-271463">
+              <a:spcBef>
+                <a:spcPts val="900"/>
+              </a:spcBef>
+            </a:pPr>
+            <a:r>
+              <a:rPr lang="en-US" sz="1600" b="1" spc="-20" dirty="0">
+                <a:solidFill>
+                  <a:srgbClr val="008000"/>
+                </a:solidFill>
+              </a:rPr>
+              <a:t>Cryptography and Security: Time and place to be announced by the individual </a:t>
+            </a:r>
+            <a:r>
+              <a:rPr lang="en-US" sz="1600" b="1" spc="-20" dirty="0" smtClean="0">
+                <a:solidFill>
+                  <a:srgbClr val="008000"/>
+                </a:solidFill>
+              </a:rPr>
+              <a:t>advisors</a:t>
+            </a:r>
+            <a:endParaRPr lang="en-US" sz="1600" b="1" spc="-20" dirty="0">
+              <a:solidFill>
+                <a:srgbClr val="008000"/>
+              </a:solidFill>
+            </a:endParaRPr>
+          </a:p>
+          <a:p>
+            <a:pPr marL="728663" lvl="1" indent="-271463">
+              <a:spcBef>
+                <a:spcPts val="900"/>
+              </a:spcBef>
+            </a:pPr>
+            <a:r>
+              <a:rPr lang="en-US" sz="1600" b="1" dirty="0"/>
+              <a:t>Data-Intensive Systems: 5335-327 Nygaard Meeting </a:t>
+            </a:r>
+            <a:r>
+              <a:rPr lang="en-US" sz="1600" b="1" dirty="0" smtClean="0"/>
+              <a:t>Room</a:t>
+            </a:r>
+            <a:r>
+              <a:rPr lang="en-US" sz="1600" b="1" dirty="0"/>
+              <a:t> </a:t>
+            </a:r>
+          </a:p>
+          <a:p>
+            <a:pPr marL="728663" lvl="1" indent="-271463">
+              <a:spcBef>
+                <a:spcPts val="900"/>
+              </a:spcBef>
+            </a:pPr>
+            <a:r>
+              <a:rPr lang="en-US" sz="1600" b="1" spc="-40" dirty="0"/>
+              <a:t>Logic and Semantics &amp; Programming Languages: 5335-395 Nygaard Meeting </a:t>
+            </a:r>
+            <a:r>
+              <a:rPr lang="en-US" sz="1600" b="1" spc="-40" dirty="0" smtClean="0"/>
+              <a:t>Room</a:t>
+            </a:r>
+            <a:endParaRPr lang="en-US" sz="1600" b="1" spc="-40" dirty="0"/>
+          </a:p>
+          <a:p>
+            <a:pPr marL="728663" lvl="1" indent="-271463">
+              <a:spcBef>
+                <a:spcPts val="900"/>
+              </a:spcBef>
+            </a:pPr>
+            <a:r>
+              <a:rPr lang="en-US" sz="1600" b="1" dirty="0"/>
+              <a:t>Ubiquitous Computing and Interaction: 5365 </a:t>
+            </a:r>
+            <a:r>
+              <a:rPr lang="en-US" sz="1600" b="1" dirty="0" smtClean="0"/>
+              <a:t>Stibitz</a:t>
+            </a:r>
+            <a:endParaRPr lang="en-US" sz="1600" b="1" dirty="0"/>
+          </a:p>
+        </p:txBody>
+      </p:sp>
+      <p:sp>
+        <p:nvSpPr>
+          <p:cNvPr id="8" name="Slide Number Placeholder 7"/>
+          <p:cNvSpPr>
+            <a:spLocks noGrp="1"/>
+          </p:cNvSpPr>
+          <p:nvPr>
+            <p:ph type="sldNum" sz="quarter" idx="12"/>
+          </p:nvPr>
+        </p:nvSpPr>
+        <p:spPr/>
+        <p:txBody>
+          <a:bodyPr/>
+          <a:lstStyle/>
+          <a:p>
+            <a:pPr>
+              <a:defRPr/>
+            </a:pPr>
+            <a:fld id="{3A57ADD0-007F-4610-9D7D-5E5ADEAA50E0}" type="slidenum">
+              <a:rPr lang="da-DK" altLang="da-DK" smtClean="0"/>
+              <a:pPr>
+                <a:defRPr/>
+              </a:pPr>
+              <a:t>19</a:t>
+            </a:fld>
+            <a:endParaRPr lang="da-DK" altLang="da-DK" dirty="0"/>
+          </a:p>
+        </p:txBody>
+      </p:sp>
+    </p:spTree>
+    <p:extLst>
+      <p:ext uri="{BB962C8B-B14F-4D97-AF65-F5344CB8AC3E}">
+        <p14:creationId xmlns:p14="http://schemas.microsoft.com/office/powerpoint/2010/main" val="1950783611"/>
+      </p:ext>
+    </p:extLst>
+  </p:cSld>
+  <p:clrMapOvr>
+    <a:masterClrMapping/>
+  </p:clrMapOvr>
+  <p:timing>
+    <p:tnLst>
+      <p:par>
+        <p:cTn id="1" dur="indefinite" restart="never" nodeType="tmRoot"/>
+      </p:par>
+    </p:tnLst>
+  </p:timing>
+</p:sld>
+</file>
+
+<file path=ppt/slides/slide2.xml><?xml version="1.0" encoding="utf-8"?>
+<p:sld xmlns:a="http://schemas.openxmlformats.org/drawingml/2006/main" xmlns:r="http://schemas.openxmlformats.org/officeDocument/2006/relationships" xmlns:p="http://schemas.openxmlformats.org/presentationml/2006/main">
+  <p:cSld>
+    <p:spTree>
+      <p:nvGrpSpPr>
+        <p:cNvPr id="1" name=""/>
+        <p:cNvGrpSpPr/>
+        <p:nvPr/>
+      </p:nvGrpSpPr>
+      <p:grpSpPr>
+        <a:xfrm>
+          <a:off x="0" y="0"/>
+          <a:ext cx="0" cy="0"/>
+          <a:chOff x="0" y="0"/>
+          <a:chExt cx="0" cy="0"/>
+        </a:xfrm>
+      </p:grpSpPr>
+      <p:sp>
+        <p:nvSpPr>
+          <p:cNvPr id="10243" name="Rectangle 2"/>
+          <p:cNvSpPr>
+            <a:spLocks noGrp="1" noChangeArrowheads="1"/>
+          </p:cNvSpPr>
+          <p:nvPr>
+            <p:ph type="title"/>
+          </p:nvPr>
+        </p:nvSpPr>
+        <p:spPr>
+          <a:xfrm>
+            <a:off x="468313" y="333375"/>
+            <a:ext cx="8784207" cy="609600"/>
+          </a:xfrm>
+        </p:spPr>
+        <p:txBody>
+          <a:bodyPr/>
+          <a:lstStyle/>
+          <a:p>
+            <a:pPr eaLnBrk="1" hangingPunct="1">
+              <a:defRPr/>
+            </a:pPr>
+            <a:r>
+              <a:rPr lang="en-GB" altLang="da-DK" sz="2800" dirty="0" smtClean="0"/>
+              <a:t>DISCLAIMER</a:t>
+            </a:r>
+          </a:p>
+        </p:txBody>
+      </p:sp>
+      <p:sp>
+        <p:nvSpPr>
+          <p:cNvPr id="10244" name="Rectangle 3"/>
+          <p:cNvSpPr>
+            <a:spLocks noGrp="1" noChangeArrowheads="1"/>
+          </p:cNvSpPr>
+          <p:nvPr>
+            <p:ph type="body" idx="1"/>
+          </p:nvPr>
+        </p:nvSpPr>
+        <p:spPr>
+          <a:xfrm>
+            <a:off x="468313" y="1052736"/>
+            <a:ext cx="8280151" cy="5256584"/>
+          </a:xfrm>
+          <a:noFill/>
+        </p:spPr>
+        <p:txBody>
+          <a:bodyPr/>
+          <a:lstStyle/>
+          <a:p>
+            <a:pPr marL="271463" lvl="1" indent="-271463">
+              <a:spcBef>
+                <a:spcPts val="1200"/>
+              </a:spcBef>
+              <a:buChar char="•"/>
+            </a:pPr>
+            <a:r>
+              <a:rPr lang="en-GB" altLang="da-DK" sz="1800" b="1" dirty="0" smtClean="0">
+                <a:solidFill>
+                  <a:srgbClr val="A50021"/>
+                </a:solidFill>
+                <a:cs typeface="ＭＳ Ｐゴシック" charset="0"/>
+              </a:rPr>
+              <a:t>Traditions and work methods vary a lot from research area to research area (and from advisor to advisor)</a:t>
+            </a:r>
+            <a:endParaRPr lang="en-GB" altLang="da-DK" sz="1800" b="1" dirty="0">
+              <a:solidFill>
+                <a:srgbClr val="A50021"/>
+              </a:solidFill>
+              <a:cs typeface="ＭＳ Ｐゴシック" charset="0"/>
+            </a:endParaRPr>
+          </a:p>
+          <a:p>
+            <a:pPr marL="728663" lvl="1" indent="-271463">
+              <a:spcBef>
+                <a:spcPts val="300"/>
+              </a:spcBef>
+            </a:pPr>
+            <a:r>
+              <a:rPr lang="en-GB" altLang="da-DK" sz="1600" dirty="0" smtClean="0"/>
+              <a:t>If there is a conflict between the </a:t>
+            </a:r>
+            <a:r>
+              <a:rPr lang="en-GB" altLang="da-DK" sz="1600" b="1" dirty="0" smtClean="0">
+                <a:solidFill>
+                  <a:srgbClr val="008000"/>
+                </a:solidFill>
+              </a:rPr>
+              <a:t>general</a:t>
+            </a:r>
+            <a:r>
+              <a:rPr lang="en-GB" altLang="da-DK" sz="1600" dirty="0" smtClean="0"/>
+              <a:t> advise and directions in this talk, and the more </a:t>
+            </a:r>
+            <a:r>
+              <a:rPr lang="en-GB" altLang="da-DK" sz="1600" b="1" dirty="0" smtClean="0">
+                <a:solidFill>
+                  <a:srgbClr val="008000"/>
+                </a:solidFill>
+              </a:rPr>
+              <a:t>specific</a:t>
+            </a:r>
+            <a:r>
+              <a:rPr lang="en-GB" altLang="da-DK" sz="1600" dirty="0" smtClean="0"/>
+              <a:t> advise and directions given by your advisor, you should always do as your advisor tells you</a:t>
+            </a:r>
+          </a:p>
+          <a:p>
+            <a:pPr marL="271463" lvl="1" indent="-271463">
+              <a:spcBef>
+                <a:spcPts val="1200"/>
+              </a:spcBef>
+              <a:buChar char="•"/>
+            </a:pPr>
+            <a:r>
+              <a:rPr lang="en-GB" altLang="da-DK" sz="1800" b="1" dirty="0">
+                <a:solidFill>
+                  <a:srgbClr val="A50021"/>
+                </a:solidFill>
+                <a:cs typeface="ＭＳ Ｐゴシック" charset="0"/>
+              </a:rPr>
+              <a:t>The advice and directions given in this talk </a:t>
+            </a:r>
+            <a:r>
+              <a:rPr lang="en-GB" altLang="da-DK" sz="1800" b="1" dirty="0" smtClean="0">
+                <a:solidFill>
+                  <a:srgbClr val="A50021"/>
+                </a:solidFill>
+                <a:cs typeface="ＭＳ Ｐゴシック" charset="0"/>
+              </a:rPr>
+              <a:t>have </a:t>
+            </a:r>
+            <a:r>
+              <a:rPr lang="en-GB" altLang="da-DK" sz="1800" b="1" dirty="0">
+                <a:solidFill>
+                  <a:srgbClr val="A50021"/>
+                </a:solidFill>
+                <a:cs typeface="ＭＳ Ｐゴシック" charset="0"/>
+              </a:rPr>
+              <a:t>proved to be valuable for </a:t>
+            </a:r>
+            <a:r>
+              <a:rPr lang="en-GB" altLang="da-DK" sz="1800" b="1" dirty="0" smtClean="0">
+                <a:solidFill>
+                  <a:srgbClr val="A50021"/>
+                </a:solidFill>
+                <a:cs typeface="ＭＳ Ｐゴシック" charset="0"/>
+              </a:rPr>
+              <a:t>many </a:t>
+            </a:r>
+            <a:r>
+              <a:rPr lang="en-GB" altLang="da-DK" sz="1800" b="1" dirty="0">
+                <a:solidFill>
+                  <a:srgbClr val="A50021"/>
+                </a:solidFill>
+                <a:cs typeface="ＭＳ Ｐゴシック" charset="0"/>
+              </a:rPr>
+              <a:t>students</a:t>
+            </a:r>
+          </a:p>
+          <a:p>
+            <a:pPr marL="728663" lvl="1" indent="-271463">
+              <a:spcBef>
+                <a:spcPts val="300"/>
+              </a:spcBef>
+            </a:pPr>
+            <a:r>
+              <a:rPr lang="en-GB" altLang="da-DK" sz="1600" dirty="0"/>
+              <a:t>I do not care </a:t>
+            </a:r>
+            <a:r>
+              <a:rPr lang="en-GB" altLang="da-DK" sz="1600" dirty="0" smtClean="0"/>
+              <a:t>whether </a:t>
+            </a:r>
+            <a:r>
+              <a:rPr lang="en-GB" altLang="da-DK" sz="1600" dirty="0"/>
+              <a:t>you </a:t>
+            </a:r>
+            <a:r>
+              <a:rPr lang="en-GB" altLang="da-DK" sz="1600" dirty="0" smtClean="0"/>
+              <a:t>follow my advice</a:t>
+            </a:r>
+            <a:endParaRPr lang="en-GB" altLang="da-DK" sz="1600" dirty="0"/>
+          </a:p>
+          <a:p>
+            <a:pPr marL="728663" lvl="1" indent="-271463">
+              <a:spcBef>
+                <a:spcPts val="300"/>
+              </a:spcBef>
+            </a:pPr>
+            <a:r>
+              <a:rPr lang="en-GB" altLang="da-DK" sz="1600" dirty="0" smtClean="0"/>
+              <a:t>It is up to </a:t>
+            </a:r>
+            <a:r>
+              <a:rPr lang="en-GB" altLang="da-DK" sz="1600" b="1" dirty="0" smtClean="0">
+                <a:solidFill>
+                  <a:srgbClr val="008000"/>
+                </a:solidFill>
+              </a:rPr>
+              <a:t>you</a:t>
+            </a:r>
+            <a:r>
+              <a:rPr lang="en-GB" altLang="da-DK" sz="1600" dirty="0" smtClean="0"/>
+              <a:t> (and your advisor) to optimize your working methods, so that you get the best result out of your bachelor project</a:t>
+            </a:r>
+          </a:p>
+          <a:p>
+            <a:pPr marL="728663" lvl="1" indent="-271463">
+              <a:spcBef>
+                <a:spcPts val="300"/>
+              </a:spcBef>
+            </a:pPr>
+            <a:r>
+              <a:rPr lang="en-GB" altLang="da-DK" sz="1600" dirty="0" smtClean="0"/>
+              <a:t>However, it is stupid to reject the advise in this talk – without due consideration</a:t>
+            </a:r>
+          </a:p>
+        </p:txBody>
+      </p:sp>
+      <p:sp>
+        <p:nvSpPr>
+          <p:cNvPr id="8" name="Slide Number Placeholder 7"/>
+          <p:cNvSpPr>
+            <a:spLocks noGrp="1"/>
+          </p:cNvSpPr>
+          <p:nvPr>
+            <p:ph type="sldNum" sz="quarter" idx="12"/>
+          </p:nvPr>
+        </p:nvSpPr>
+        <p:spPr/>
+        <p:txBody>
+          <a:bodyPr/>
+          <a:lstStyle/>
+          <a:p>
+            <a:pPr>
+              <a:defRPr/>
+            </a:pPr>
+            <a:fld id="{3A57ADD0-007F-4610-9D7D-5E5ADEAA50E0}" type="slidenum">
+              <a:rPr lang="da-DK" altLang="da-DK" smtClean="0"/>
+              <a:pPr>
+                <a:defRPr/>
+              </a:pPr>
+              <a:t>2</a:t>
+            </a:fld>
+            <a:endParaRPr lang="da-DK" altLang="da-DK" dirty="0"/>
+          </a:p>
+        </p:txBody>
+      </p:sp>
+      <p:pic>
+        <p:nvPicPr>
+          <p:cNvPr id="2" name="Picture 1"/>
+          <p:cNvPicPr>
+            <a:picLocks noChangeAspect="1"/>
+          </p:cNvPicPr>
+          <p:nvPr/>
+        </p:nvPicPr>
+        <p:blipFill>
+          <a:blip r:embed="rId3">
+            <a:extLst>
+              <a:ext uri="{28A0092B-C50C-407E-A947-70E740481C1C}">
+                <a14:useLocalDpi xmlns:a14="http://schemas.microsoft.com/office/drawing/2010/main" val="0"/>
+              </a:ext>
+            </a:extLst>
+          </a:blip>
+          <a:stretch>
+            <a:fillRect/>
+          </a:stretch>
+        </p:blipFill>
+        <p:spPr>
+          <a:xfrm>
+            <a:off x="5148064" y="3068960"/>
+            <a:ext cx="526860" cy="364272"/>
+          </a:xfrm>
+          <a:prstGeom prst="rect">
+            <a:avLst/>
+          </a:prstGeom>
+        </p:spPr>
+      </p:pic>
+    </p:spTree>
+    <p:extLst>
+      <p:ext uri="{BB962C8B-B14F-4D97-AF65-F5344CB8AC3E}">
+        <p14:creationId xmlns:p14="http://schemas.microsoft.com/office/powerpoint/2010/main" val="2130191550"/>
+      </p:ext>
+    </p:extLst>
+  </p:cSld>
+  <p:clrMapOvr>
+    <a:masterClrMapping/>
+  </p:clrMapOvr>
+  <p:timing>
+    <p:tnLst>
+      <p:par>
+        <p:cTn id="1" dur="indefinite" restart="never" nodeType="tmRoot"/>
+      </p:par>
+    </p:tnLst>
+  </p:timing>
+</p:sld>
+</file>
+
+<file path=ppt/slides/slide20.xml><?xml version="1.0" encoding="utf-8"?>
+<p:sld xmlns:a="http://schemas.openxmlformats.org/drawingml/2006/main" xmlns:r="http://schemas.openxmlformats.org/officeDocument/2006/relationships" xmlns:p="http://schemas.openxmlformats.org/presentationml/2006/main">
+  <p:cSld>
+    <p:spTree>
+      <p:nvGrpSpPr>
+        <p:cNvPr id="1" name=""/>
+        <p:cNvGrpSpPr/>
+        <p:nvPr/>
+      </p:nvGrpSpPr>
+      <p:grpSpPr>
+        <a:xfrm>
+          <a:off x="0" y="0"/>
+          <a:ext cx="0" cy="0"/>
+          <a:chOff x="0" y="0"/>
+          <a:chExt cx="0" cy="0"/>
+        </a:xfrm>
+      </p:grpSpPr>
+      <p:sp>
+        <p:nvSpPr>
           <p:cNvPr id="2050" name="Rectangle 2"/>
           <p:cNvSpPr>
             <a:spLocks noGrp="1" noChangeArrowheads="1"/>
@@ -10117,7 +10807,7 @@
               <a:pPr>
                 <a:defRPr/>
               </a:pPr>
-              <a:t>19</a:t>
+              <a:t>20</a:t>
             </a:fld>
             <a:endParaRPr lang="da-DK" altLang="da-DK" dirty="0"/>
           </a:p>
@@ -10506,323 +11196,6 @@
 </p:sld>
 </file>
 
-<file path=ppt/slides/slide2.xml><?xml version="1.0" encoding="utf-8"?>
-<p:sld xmlns:a="http://schemas.openxmlformats.org/drawingml/2006/main" xmlns:r="http://schemas.openxmlformats.org/officeDocument/2006/relationships" xmlns:p="http://schemas.openxmlformats.org/presentationml/2006/main">
-  <p:cSld>
-    <p:spTree>
-      <p:nvGrpSpPr>
-        <p:cNvPr id="1" name=""/>
-        <p:cNvGrpSpPr/>
-        <p:nvPr/>
-      </p:nvGrpSpPr>
-      <p:grpSpPr>
-        <a:xfrm>
-          <a:off x="0" y="0"/>
-          <a:ext cx="0" cy="0"/>
-          <a:chOff x="0" y="0"/>
-          <a:chExt cx="0" cy="0"/>
-        </a:xfrm>
-      </p:grpSpPr>
-      <p:sp>
-        <p:nvSpPr>
-          <p:cNvPr id="10243" name="Rectangle 2"/>
-          <p:cNvSpPr>
-            <a:spLocks noGrp="1" noChangeArrowheads="1"/>
-          </p:cNvSpPr>
-          <p:nvPr>
-            <p:ph type="title"/>
-          </p:nvPr>
-        </p:nvSpPr>
-        <p:spPr>
-          <a:xfrm>
-            <a:off x="468313" y="333375"/>
-            <a:ext cx="8784207" cy="609600"/>
-          </a:xfrm>
-        </p:spPr>
-        <p:txBody>
-          <a:bodyPr/>
-          <a:lstStyle/>
-          <a:p>
-            <a:pPr eaLnBrk="1" hangingPunct="1">
-              <a:defRPr/>
-            </a:pPr>
-            <a:r>
-              <a:rPr lang="en-GB" altLang="da-DK" sz="2800" dirty="0" smtClean="0"/>
-              <a:t>DISCLAIMER</a:t>
-            </a:r>
-          </a:p>
-        </p:txBody>
-      </p:sp>
-      <p:sp>
-        <p:nvSpPr>
-          <p:cNvPr id="10244" name="Rectangle 3"/>
-          <p:cNvSpPr>
-            <a:spLocks noGrp="1" noChangeArrowheads="1"/>
-          </p:cNvSpPr>
-          <p:nvPr>
-            <p:ph type="body" idx="1"/>
-          </p:nvPr>
-        </p:nvSpPr>
-        <p:spPr>
-          <a:xfrm>
-            <a:off x="468313" y="1052736"/>
-            <a:ext cx="8280151" cy="5256584"/>
-          </a:xfrm>
-          <a:noFill/>
-        </p:spPr>
-        <p:txBody>
-          <a:bodyPr/>
-          <a:lstStyle/>
-          <a:p>
-            <a:pPr marL="271463" lvl="1" indent="-271463">
-              <a:spcBef>
-                <a:spcPts val="1200"/>
-              </a:spcBef>
-              <a:buChar char="•"/>
-            </a:pPr>
-            <a:r>
-              <a:rPr lang="en-GB" altLang="da-DK" sz="1800" b="1" dirty="0" smtClean="0">
-                <a:solidFill>
-                  <a:srgbClr val="A50021"/>
-                </a:solidFill>
-                <a:cs typeface="ＭＳ Ｐゴシック" charset="0"/>
-              </a:rPr>
-              <a:t>Traditions and work methods vary a lot from research area to research area (and from advisor to advisor)</a:t>
-            </a:r>
-            <a:endParaRPr lang="en-GB" altLang="da-DK" sz="1800" b="1" dirty="0">
-              <a:solidFill>
-                <a:srgbClr val="A50021"/>
-              </a:solidFill>
-              <a:cs typeface="ＭＳ Ｐゴシック" charset="0"/>
-            </a:endParaRPr>
-          </a:p>
-          <a:p>
-            <a:pPr marL="728663" lvl="1" indent="-271463">
-              <a:spcBef>
-                <a:spcPts val="300"/>
-              </a:spcBef>
-            </a:pPr>
-            <a:r>
-              <a:rPr lang="en-GB" altLang="da-DK" sz="1600" dirty="0" smtClean="0"/>
-              <a:t>If there is a conflict between the </a:t>
-            </a:r>
-            <a:r>
-              <a:rPr lang="en-GB" altLang="da-DK" sz="1600" b="1" dirty="0" smtClean="0">
-                <a:solidFill>
-                  <a:srgbClr val="008000"/>
-                </a:solidFill>
-              </a:rPr>
-              <a:t>general</a:t>
-            </a:r>
-            <a:r>
-              <a:rPr lang="en-GB" altLang="da-DK" sz="1600" dirty="0" smtClean="0"/>
-              <a:t> advise and directions in this talk, and the more </a:t>
-            </a:r>
-            <a:r>
-              <a:rPr lang="en-GB" altLang="da-DK" sz="1600" b="1" dirty="0" smtClean="0">
-                <a:solidFill>
-                  <a:srgbClr val="008000"/>
-                </a:solidFill>
-              </a:rPr>
-              <a:t>specific</a:t>
-            </a:r>
-            <a:r>
-              <a:rPr lang="en-GB" altLang="da-DK" sz="1600" dirty="0" smtClean="0"/>
-              <a:t> advise and directions given by your advisor, you should always do as your advisor tells you</a:t>
-            </a:r>
-          </a:p>
-          <a:p>
-            <a:pPr marL="271463" lvl="1" indent="-271463">
-              <a:spcBef>
-                <a:spcPts val="1200"/>
-              </a:spcBef>
-              <a:buChar char="•"/>
-            </a:pPr>
-            <a:r>
-              <a:rPr lang="en-GB" altLang="da-DK" sz="1800" b="1" dirty="0">
-                <a:solidFill>
-                  <a:srgbClr val="A50021"/>
-                </a:solidFill>
-                <a:cs typeface="ＭＳ Ｐゴシック" charset="0"/>
-              </a:rPr>
-              <a:t>The advice and directions given in this talk </a:t>
-            </a:r>
-            <a:r>
-              <a:rPr lang="en-GB" altLang="da-DK" sz="1800" b="1" dirty="0" smtClean="0">
-                <a:solidFill>
-                  <a:srgbClr val="A50021"/>
-                </a:solidFill>
-                <a:cs typeface="ＭＳ Ｐゴシック" charset="0"/>
-              </a:rPr>
-              <a:t>have </a:t>
-            </a:r>
-            <a:r>
-              <a:rPr lang="en-GB" altLang="da-DK" sz="1800" b="1" dirty="0">
-                <a:solidFill>
-                  <a:srgbClr val="A50021"/>
-                </a:solidFill>
-                <a:cs typeface="ＭＳ Ｐゴシック" charset="0"/>
-              </a:rPr>
-              <a:t>proved to be valuable for </a:t>
-            </a:r>
-            <a:r>
-              <a:rPr lang="en-GB" altLang="da-DK" sz="1800" b="1" dirty="0" smtClean="0">
-                <a:solidFill>
-                  <a:srgbClr val="A50021"/>
-                </a:solidFill>
-                <a:cs typeface="ＭＳ Ｐゴシック" charset="0"/>
-              </a:rPr>
-              <a:t>many </a:t>
-            </a:r>
-            <a:r>
-              <a:rPr lang="en-GB" altLang="da-DK" sz="1800" b="1" dirty="0">
-                <a:solidFill>
-                  <a:srgbClr val="A50021"/>
-                </a:solidFill>
-                <a:cs typeface="ＭＳ Ｐゴシック" charset="0"/>
-              </a:rPr>
-              <a:t>students</a:t>
-            </a:r>
-          </a:p>
-          <a:p>
-            <a:pPr marL="728663" lvl="1" indent="-271463">
-              <a:spcBef>
-                <a:spcPts val="300"/>
-              </a:spcBef>
-            </a:pPr>
-            <a:r>
-              <a:rPr lang="en-GB" altLang="da-DK" sz="1600" dirty="0"/>
-              <a:t>I do not care </a:t>
-            </a:r>
-            <a:r>
-              <a:rPr lang="en-GB" altLang="da-DK" sz="1600" dirty="0" smtClean="0"/>
-              <a:t>whether </a:t>
-            </a:r>
-            <a:r>
-              <a:rPr lang="en-GB" altLang="da-DK" sz="1600" dirty="0"/>
-              <a:t>you </a:t>
-            </a:r>
-            <a:r>
-              <a:rPr lang="en-GB" altLang="da-DK" sz="1600" dirty="0" smtClean="0"/>
-              <a:t>follow my advice</a:t>
-            </a:r>
-            <a:endParaRPr lang="en-GB" altLang="da-DK" sz="1600" dirty="0"/>
-          </a:p>
-          <a:p>
-            <a:pPr marL="728663" lvl="1" indent="-271463">
-              <a:spcBef>
-                <a:spcPts val="300"/>
-              </a:spcBef>
-            </a:pPr>
-            <a:r>
-              <a:rPr lang="en-GB" altLang="da-DK" sz="1600" dirty="0" smtClean="0"/>
-              <a:t>It is up to </a:t>
-            </a:r>
-            <a:r>
-              <a:rPr lang="en-GB" altLang="da-DK" sz="1600" b="1" dirty="0" smtClean="0">
-                <a:solidFill>
-                  <a:srgbClr val="008000"/>
-                </a:solidFill>
-              </a:rPr>
-              <a:t>you</a:t>
-            </a:r>
-            <a:r>
-              <a:rPr lang="en-GB" altLang="da-DK" sz="1600" dirty="0" smtClean="0"/>
-              <a:t> (and your advisor) to optimize your working methods, so that you get the best result out of your bachelor project</a:t>
-            </a:r>
-          </a:p>
-          <a:p>
-            <a:pPr marL="728663" lvl="1" indent="-271463">
-              <a:spcBef>
-                <a:spcPts val="300"/>
-              </a:spcBef>
-            </a:pPr>
-            <a:r>
-              <a:rPr lang="en-GB" altLang="da-DK" sz="1600" dirty="0" smtClean="0"/>
-              <a:t>However, it is stupid to reject the advise in this talk – without due consideration</a:t>
-            </a:r>
-          </a:p>
-        </p:txBody>
-      </p:sp>
-      <p:sp>
-        <p:nvSpPr>
-          <p:cNvPr id="8" name="Slide Number Placeholder 7"/>
-          <p:cNvSpPr>
-            <a:spLocks noGrp="1"/>
-          </p:cNvSpPr>
-          <p:nvPr>
-            <p:ph type="sldNum" sz="quarter" idx="12"/>
-          </p:nvPr>
-        </p:nvSpPr>
-        <p:spPr/>
-        <p:txBody>
-          <a:bodyPr/>
-          <a:lstStyle/>
-          <a:p>
-            <a:pPr>
-              <a:defRPr/>
-            </a:pPr>
-            <a:fld id="{3A57ADD0-007F-4610-9D7D-5E5ADEAA50E0}" type="slidenum">
-              <a:rPr lang="da-DK" altLang="da-DK" smtClean="0"/>
-              <a:pPr>
-                <a:defRPr/>
-              </a:pPr>
-              <a:t>2</a:t>
-            </a:fld>
-            <a:endParaRPr lang="da-DK" altLang="da-DK" dirty="0"/>
-          </a:p>
-        </p:txBody>
-      </p:sp>
-      <p:pic>
-        <p:nvPicPr>
-          <p:cNvPr id="2" name="Picture 1"/>
-          <p:cNvPicPr>
-            <a:picLocks noChangeAspect="1"/>
-          </p:cNvPicPr>
-          <p:nvPr/>
-        </p:nvPicPr>
-        <p:blipFill>
-          <a:blip r:embed="rId3">
-            <a:extLst>
-              <a:ext uri="{28A0092B-C50C-407E-A947-70E740481C1C}">
-                <a14:useLocalDpi xmlns:a14="http://schemas.microsoft.com/office/drawing/2010/main" val="0"/>
-              </a:ext>
-            </a:extLst>
-          </a:blip>
-          <a:stretch>
-            <a:fillRect/>
-          </a:stretch>
-        </p:blipFill>
-        <p:spPr>
-          <a:xfrm>
-            <a:off x="5148064" y="3068960"/>
-            <a:ext cx="526860" cy="364272"/>
-          </a:xfrm>
-          <a:prstGeom prst="rect">
-            <a:avLst/>
-          </a:prstGeom>
-        </p:spPr>
-      </p:pic>
-    </p:spTree>
-    <p:extLst>
-      <p:ext uri="{BB962C8B-B14F-4D97-AF65-F5344CB8AC3E}">
-        <p14:creationId xmlns:p14="http://schemas.microsoft.com/office/powerpoint/2010/main" val="2130191550"/>
-      </p:ext>
-    </p:extLst>
-  </p:cSld>
-  <p:clrMapOvr>
-    <a:masterClrMapping/>
-  </p:clrMapOvr>
-  <p:timing>
-    <p:tnLst>
-      <p:par>
-        <p:cTn id="1" dur="indefinite" restart="never" nodeType="tmRoot"/>
-      </p:par>
-    </p:tnLst>
-  </p:timing>
-</p:sld>
-</file>
-
 <file path=ppt/slides/slide3.xml><?xml version="1.0" encoding="utf-8"?>
 <p:sld xmlns:a="http://schemas.openxmlformats.org/drawingml/2006/main" xmlns:r="http://schemas.openxmlformats.org/officeDocument/2006/relationships" xmlns:p="http://schemas.openxmlformats.org/presentationml/2006/main">
   <p:cSld>
@@ -11393,7 +11766,6 @@
               <a:rPr lang="en-US" altLang="da-DK" sz="1600" dirty="0" smtClean="0"/>
               <a:t>).</a:t>
             </a:r>
-            <a:endParaRPr lang="en-US" altLang="da-DK" sz="1600" dirty="0" smtClean="0"/>
           </a:p>
           <a:p>
             <a:pPr marL="728663" lvl="1" indent="-271463">

--- a/web/b22/1 Bachelor Contract .pptx
+++ b/web/b22/1 Bachelor Contract .pptx
@@ -10158,7 +10158,6 @@
               <a:rPr lang="en-GB" altLang="da-DK" sz="2800" dirty="0" smtClean="0"/>
               <a:t>Meetings with research groups</a:t>
             </a:r>
-            <a:endParaRPr lang="en-GB" altLang="da-DK" sz="2800" dirty="0" smtClean="0"/>
           </a:p>
         </p:txBody>
       </p:sp>
@@ -10196,16 +10195,7 @@
                 </a:solidFill>
                 <a:cs typeface="ＭＳ Ｐゴシック" charset="0"/>
               </a:rPr>
-              <a:t>From </a:t>
-            </a:r>
-            <a:r>
-              <a:rPr lang="en-US" sz="1800" b="1" spc="-70" dirty="0">
-                <a:solidFill>
-                  <a:srgbClr val="A50021"/>
-                </a:solidFill>
-                <a:cs typeface="ＭＳ Ｐゴシック" charset="0"/>
-              </a:rPr>
-              <a:t>15.15 to 16.00 representatives from each research groups will meet with their students to make practical arrangements etc. </a:t>
+              <a:t>From 15.15 to 16.00 representatives from each research groups will meet with their students to make practical arrangements etc. </a:t>
             </a:r>
           </a:p>
           <a:p>
@@ -11255,8 +11245,8 @@
         </p:nvSpPr>
         <p:spPr>
           <a:xfrm>
-            <a:off x="468313" y="1052736"/>
-            <a:ext cx="8496175" cy="5256584"/>
+            <a:off x="476697" y="952974"/>
+            <a:ext cx="8496175" cy="5905026"/>
           </a:xfrm>
           <a:noFill/>
         </p:spPr>
@@ -11307,7 +11297,7 @@
           <a:p>
             <a:pPr marL="271463" lvl="1" indent="-271463">
               <a:spcBef>
-                <a:spcPts val="1200"/>
+                <a:spcPts val="600"/>
               </a:spcBef>
               <a:buChar char="•"/>
             </a:pPr>
@@ -11388,7 +11378,7 @@
           <a:p>
             <a:pPr marL="271463" lvl="1" indent="-271463">
               <a:spcBef>
-                <a:spcPts val="1200"/>
+                <a:spcPts val="600"/>
               </a:spcBef>
               <a:buChar char="•"/>
             </a:pPr>
@@ -11399,26 +11389,39 @@
                 </a:solidFill>
                 <a:cs typeface="ＭＳ Ｐゴシック" charset="0"/>
               </a:rPr>
-              <a:t>The contract should be </a:t>
-            </a:r>
-            <a:r>
-              <a:rPr lang="en-GB" altLang="da-DK" sz="1800" b="1" dirty="0">
-                <a:solidFill>
-                  <a:srgbClr val="008000"/>
-                </a:solidFill>
-                <a:cs typeface="ＭＳ Ｐゴシック" charset="0"/>
-              </a:rPr>
-              <a:t>updated</a:t>
-            </a:r>
-            <a:r>
-              <a:rPr lang="en-GB" altLang="da-DK" sz="1800" b="1" dirty="0">
-                <a:solidFill>
-                  <a:srgbClr val="A50021"/>
-                </a:solidFill>
-                <a:cs typeface="ＭＳ Ｐゴシック" charset="0"/>
-              </a:rPr>
-              <a:t> with regular intervals during your </a:t>
-            </a:r>
+              <a:t>Having 4½ months may seem as "infinite time"</a:t>
+            </a:r>
+          </a:p>
+          <a:p>
+            <a:pPr marL="728663" lvl="1" indent="-271463">
+              <a:spcBef>
+                <a:spcPts val="300"/>
+              </a:spcBef>
+            </a:pPr>
+            <a:r>
+              <a:rPr lang="en-GB" altLang="da-DK" sz="1600" dirty="0"/>
+              <a:t>But with 4 work tasks and time to write the introduction and summary, plus time to collect existing drafts of sections into the final report, you actually have at most</a:t>
+            </a:r>
+            <a:br>
+              <a:rPr lang="en-GB" altLang="da-DK" sz="1600" dirty="0"/>
+            </a:br>
+            <a:r>
+              <a:rPr lang="en-GB" altLang="da-DK" sz="1600" dirty="0"/>
+              <a:t>2 full time weeks per work </a:t>
+            </a:r>
+            <a:r>
+              <a:rPr lang="en-GB" altLang="da-DK" sz="1600" dirty="0" smtClean="0"/>
+              <a:t>task</a:t>
+            </a:r>
+            <a:endParaRPr lang="en-GB" altLang="da-DK" sz="1600" dirty="0" smtClean="0"/>
+          </a:p>
+          <a:p>
+            <a:pPr marL="271463" lvl="1" indent="-271463">
+              <a:spcBef>
+                <a:spcPts val="600"/>
+              </a:spcBef>
+              <a:buChar char="•"/>
+            </a:pPr>
             <a:r>
               <a:rPr lang="en-GB" altLang="da-DK" sz="1800" b="1" dirty="0" smtClean="0">
                 <a:solidFill>
@@ -11426,16 +11429,8 @@
                 </a:solidFill>
                 <a:cs typeface="ＭＳ Ｐゴシック" charset="0"/>
               </a:rPr>
-              <a:t>project</a:t>
-            </a:r>
-          </a:p>
-          <a:p>
-            <a:pPr marL="271463" lvl="1" indent="-271463">
-              <a:spcBef>
-                <a:spcPts val="1200"/>
-              </a:spcBef>
-              <a:buChar char="•"/>
-            </a:pPr>
+              <a:t>The </a:t>
+            </a:r>
             <a:r>
               <a:rPr lang="en-GB" altLang="da-DK" sz="1800" b="1" dirty="0" smtClean="0">
                 <a:solidFill>
@@ -11443,7 +11438,7 @@
                 </a:solidFill>
                 <a:cs typeface="ＭＳ Ｐゴシック" charset="0"/>
               </a:rPr>
-              <a:t>The contract is a 1-3 page document containing</a:t>
+              <a:t>contract is a 1-3 page document containing</a:t>
             </a:r>
             <a:endParaRPr lang="en-GB" altLang="da-DK" sz="1600" dirty="0"/>
           </a:p>
@@ -11504,16 +11499,61 @@
             </a:pPr>
             <a:r>
               <a:rPr lang="en-GB" altLang="da-DK" sz="1600" dirty="0" smtClean="0"/>
-              <a:t>A time plan describing when the different work tasks should be finished</a:t>
-            </a:r>
-          </a:p>
-          <a:p>
-            <a:pPr marL="728663" lvl="1" indent="-271463">
-              <a:spcBef>
-                <a:spcPts val="300"/>
-              </a:spcBef>
-            </a:pPr>
-            <a:endParaRPr lang="en-GB" altLang="da-DK" sz="1600" dirty="0" smtClean="0"/>
+              <a:t>A time plan describing when the different work tasks should be </a:t>
+            </a:r>
+            <a:r>
+              <a:rPr lang="en-GB" altLang="da-DK" sz="1600" dirty="0" smtClean="0"/>
+              <a:t>finished</a:t>
+            </a:r>
+          </a:p>
+          <a:p>
+            <a:pPr marL="271463" lvl="1" indent="-271463">
+              <a:spcBef>
+                <a:spcPts val="600"/>
+              </a:spcBef>
+              <a:buChar char="•"/>
+            </a:pPr>
+            <a:r>
+              <a:rPr lang="en-GB" altLang="da-DK" sz="1800" b="1" spc="-60" dirty="0">
+                <a:solidFill>
+                  <a:srgbClr val="A50021"/>
+                </a:solidFill>
+                <a:cs typeface="ＭＳ Ｐゴシック" charset="0"/>
+              </a:rPr>
+              <a:t>The contract should be </a:t>
+            </a:r>
+            <a:r>
+              <a:rPr lang="en-GB" altLang="da-DK" sz="1800" b="1" spc="-60" dirty="0">
+                <a:solidFill>
+                  <a:srgbClr val="008000"/>
+                </a:solidFill>
+                <a:cs typeface="ＭＳ Ｐゴシック" charset="0"/>
+              </a:rPr>
+              <a:t>updated</a:t>
+            </a:r>
+            <a:r>
+              <a:rPr lang="en-GB" altLang="da-DK" sz="1800" b="1" spc="-60" dirty="0">
+                <a:solidFill>
+                  <a:srgbClr val="A50021"/>
+                </a:solidFill>
+                <a:cs typeface="ＭＳ Ｐゴシック" charset="0"/>
+              </a:rPr>
+              <a:t> with regular intervals during your project</a:t>
+            </a:r>
+          </a:p>
+          <a:p>
+            <a:pPr marL="271463" lvl="1" indent="-271463">
+              <a:spcBef>
+                <a:spcPts val="800"/>
+              </a:spcBef>
+              <a:buChar char="•"/>
+            </a:pPr>
+            <a:endParaRPr lang="en-GB" altLang="da-DK" sz="1800" b="1" dirty="0">
+              <a:solidFill>
+                <a:srgbClr val="A50021"/>
+              </a:solidFill>
+              <a:cs typeface="ＭＳ Ｐゴシック" charset="0"/>
+            </a:endParaRPr>
           </a:p>
         </p:txBody>
       </p:sp>
